--- a/presentationpptx.pptx
+++ b/presentationpptx.pptx
@@ -5,18 +5,19 @@
     <p:sldMasterId id="2147483648" r:id="rId1"/>
   </p:sldMasterIdLst>
   <p:notesMasterIdLst>
-    <p:notesMasterId r:id="rId4"/>
+    <p:notesMasterId r:id="rId12"/>
   </p:notesMasterIdLst>
   <p:sldIdLst>
-    <p:sldId id="263" r:id="rId3"/>
-    <p:sldId id="257" r:id="rId5"/>
-    <p:sldId id="259" r:id="rId6"/>
-    <p:sldId id="258" r:id="rId7"/>
-    <p:sldId id="265" r:id="rId8"/>
-    <p:sldId id="266" r:id="rId9"/>
-    <p:sldId id="267" r:id="rId10"/>
-    <p:sldId id="260" r:id="rId11"/>
-    <p:sldId id="264" r:id="rId12"/>
+    <p:sldId id="263" r:id="rId2"/>
+    <p:sldId id="257" r:id="rId3"/>
+    <p:sldId id="259" r:id="rId4"/>
+    <p:sldId id="258" r:id="rId5"/>
+    <p:sldId id="265" r:id="rId6"/>
+    <p:sldId id="266" r:id="rId7"/>
+    <p:sldId id="268" r:id="rId8"/>
+    <p:sldId id="267" r:id="rId9"/>
+    <p:sldId id="260" r:id="rId10"/>
+    <p:sldId id="264" r:id="rId11"/>
   </p:sldIdLst>
   <p:sldSz cx="12192000" cy="6858000"/>
   <p:notesSz cx="6858000" cy="9144000"/>
@@ -115,6 +116,11 @@
       </a:defRPr>
     </a:lvl9pPr>
   </p:defaultTextStyle>
+  <p:extLst>
+    <p:ext uri="{EFAFB233-063F-42B5-8137-9DF3F51BA10A}">
+      <p15:sldGuideLst xmlns:p15="http://schemas.microsoft.com/office/powerpoint/2012/main"/>
+    </p:ext>
+  </p:extLst>
 </p:presentation>
 </file>
 
@@ -200,6 +206,7 @@
           <a:p>
             <a:fld id="{AE7BA408-30A0-47BD-BF99-8E76EC319113}" type="datetimeFigureOut">
               <a:rPr lang="bg-BG" smtClean="0"/>
+              <a:t>20.7.2023 г.</a:t>
             </a:fld>
             <a:endParaRPr lang="bg-BG" dirty="0"/>
           </a:p>
@@ -266,7 +273,6 @@
               <a:rPr lang="en-US"/>
               <a:t>Click to edit Master text styles</a:t>
             </a:r>
-            <a:endParaRPr lang="en-US"/>
           </a:p>
           <a:p>
             <a:pPr lvl="1"/>
@@ -274,7 +280,6 @@
               <a:rPr lang="en-US"/>
               <a:t>Second level</a:t>
             </a:r>
-            <a:endParaRPr lang="en-US"/>
           </a:p>
           <a:p>
             <a:pPr lvl="2"/>
@@ -282,7 +287,6 @@
               <a:rPr lang="en-US"/>
               <a:t>Third level</a:t>
             </a:r>
-            <a:endParaRPr lang="en-US"/>
           </a:p>
           <a:p>
             <a:pPr lvl="3"/>
@@ -290,7 +294,6 @@
               <a:rPr lang="en-US"/>
               <a:t>Fourth level</a:t>
             </a:r>
-            <a:endParaRPr lang="en-US"/>
           </a:p>
           <a:p>
             <a:pPr lvl="4"/>
@@ -362,6 +365,7 @@
           <a:p>
             <a:fld id="{1398D7F6-C814-4ABD-9C70-5F95D402388A}" type="slidenum">
               <a:rPr lang="bg-BG" smtClean="0"/>
+              <a:t>‹#›</a:t>
             </a:fld>
             <a:endParaRPr lang="bg-BG" dirty="0"/>
           </a:p>
@@ -466,7 +470,7 @@
 </file>
 
 <file path=ppt/notesSlides/notesSlide1.xml><?xml version="1.0" encoding="utf-8"?>
-<p:notes xmlns:a="http://schemas.openxmlformats.org/drawingml/2006/main" xmlns:r="http://schemas.openxmlformats.org/officeDocument/2006/relationships" xmlns:p="http://schemas.openxmlformats.org/presentationml/2006/main" showMasterPhAnim="0" showMasterSp="0">
+<p:notes xmlns:a="http://schemas.openxmlformats.org/drawingml/2006/main" xmlns:r="http://schemas.openxmlformats.org/officeDocument/2006/relationships" xmlns:p="http://schemas.openxmlformats.org/presentationml/2006/main" showMasterSp="0" showMasterPhAnim="0">
   <p:cSld>
     <p:spTree>
       <p:nvGrpSpPr>
@@ -570,7 +574,7 @@
 </file>
 
 <file path=ppt/notesSlides/notesSlide2.xml><?xml version="1.0" encoding="utf-8"?>
-<p:notes xmlns:a="http://schemas.openxmlformats.org/drawingml/2006/main" xmlns:r="http://schemas.openxmlformats.org/officeDocument/2006/relationships" xmlns:p="http://schemas.openxmlformats.org/presentationml/2006/main" showMasterPhAnim="0" showMasterSp="0">
+<p:notes xmlns:a="http://schemas.openxmlformats.org/drawingml/2006/main" xmlns:r="http://schemas.openxmlformats.org/officeDocument/2006/relationships" xmlns:p="http://schemas.openxmlformats.org/presentationml/2006/main" showMasterSp="0" showMasterPhAnim="0">
   <p:cSld>
     <p:spTree>
       <p:nvGrpSpPr>
@@ -674,7 +678,7 @@
 </file>
 
 <file path=ppt/notesSlides/notesSlide3.xml><?xml version="1.0" encoding="utf-8"?>
-<p:notes xmlns:a="http://schemas.openxmlformats.org/drawingml/2006/main" xmlns:r="http://schemas.openxmlformats.org/officeDocument/2006/relationships" xmlns:p="http://schemas.openxmlformats.org/presentationml/2006/main" showMasterPhAnim="0" showMasterSp="0">
+<p:notes xmlns:a="http://schemas.openxmlformats.org/drawingml/2006/main" xmlns:r="http://schemas.openxmlformats.org/officeDocument/2006/relationships" xmlns:p="http://schemas.openxmlformats.org/presentationml/2006/main" showMasterSp="0" showMasterPhAnim="0">
   <p:cSld>
     <p:spTree>
       <p:nvGrpSpPr>
@@ -778,7 +782,7 @@
 </file>
 
 <file path=ppt/notesSlides/notesSlide4.xml><?xml version="1.0" encoding="utf-8"?>
-<p:notes xmlns:a="http://schemas.openxmlformats.org/drawingml/2006/main" xmlns:r="http://schemas.openxmlformats.org/officeDocument/2006/relationships" xmlns:p="http://schemas.openxmlformats.org/presentationml/2006/main" showMasterPhAnim="0" showMasterSp="0">
+<p:notes xmlns:a="http://schemas.openxmlformats.org/drawingml/2006/main" xmlns:r="http://schemas.openxmlformats.org/officeDocument/2006/relationships" xmlns:p="http://schemas.openxmlformats.org/presentationml/2006/main" showMasterSp="0" showMasterPhAnim="0">
   <p:cSld>
     <p:spTree>
       <p:nvGrpSpPr>
@@ -882,7 +886,7 @@
 </file>
 
 <file path=ppt/notesSlides/notesSlide5.xml><?xml version="1.0" encoding="utf-8"?>
-<p:notes xmlns:a="http://schemas.openxmlformats.org/drawingml/2006/main" xmlns:r="http://schemas.openxmlformats.org/officeDocument/2006/relationships" xmlns:p="http://schemas.openxmlformats.org/presentationml/2006/main" showMasterPhAnim="0" showMasterSp="0">
+<p:notes xmlns:a="http://schemas.openxmlformats.org/drawingml/2006/main" xmlns:r="http://schemas.openxmlformats.org/officeDocument/2006/relationships" xmlns:p="http://schemas.openxmlformats.org/presentationml/2006/main" showMasterSp="0" showMasterPhAnim="0">
   <p:cSld>
     <p:spTree>
       <p:nvGrpSpPr>
@@ -986,7 +990,7 @@
 </file>
 
 <file path=ppt/notesSlides/notesSlide6.xml><?xml version="1.0" encoding="utf-8"?>
-<p:notes xmlns:a="http://schemas.openxmlformats.org/drawingml/2006/main" xmlns:r="http://schemas.openxmlformats.org/officeDocument/2006/relationships" xmlns:p="http://schemas.openxmlformats.org/presentationml/2006/main" showMasterPhAnim="0" showMasterSp="0">
+<p:notes xmlns:a="http://schemas.openxmlformats.org/drawingml/2006/main" xmlns:r="http://schemas.openxmlformats.org/officeDocument/2006/relationships" xmlns:p="http://schemas.openxmlformats.org/presentationml/2006/main" showMasterSp="0" showMasterPhAnim="0">
   <p:cSld>
     <p:spTree>
       <p:nvGrpSpPr>
@@ -1220,6 +1224,7 @@
           <a:p>
             <a:fld id="{96A54FD2-9807-47AE-B332-82BE46C02019}" type="datetimeFigureOut">
               <a:rPr lang="bg-BG" smtClean="0"/>
+              <a:t>20.7.2023 г.</a:t>
             </a:fld>
             <a:endParaRPr lang="bg-BG" dirty="0"/>
           </a:p>
@@ -1261,6 +1266,7 @@
           <a:p>
             <a:fld id="{FAD90DB1-4724-4F0C-83F0-B00191C9E674}" type="slidenum">
               <a:rPr lang="bg-BG" smtClean="0"/>
+              <a:t>‹#›</a:t>
             </a:fld>
             <a:endParaRPr lang="bg-BG" dirty="0"/>
           </a:p>
@@ -1334,7 +1340,6 @@
               <a:rPr lang="en-US"/>
               <a:t>Click to edit Master text styles</a:t>
             </a:r>
-            <a:endParaRPr lang="en-US"/>
           </a:p>
           <a:p>
             <a:pPr lvl="1"/>
@@ -1342,7 +1347,6 @@
               <a:rPr lang="en-US"/>
               <a:t>Second level</a:t>
             </a:r>
-            <a:endParaRPr lang="en-US"/>
           </a:p>
           <a:p>
             <a:pPr lvl="2"/>
@@ -1350,7 +1354,6 @@
               <a:rPr lang="en-US"/>
               <a:t>Third level</a:t>
             </a:r>
-            <a:endParaRPr lang="en-US"/>
           </a:p>
           <a:p>
             <a:pPr lvl="3"/>
@@ -1358,7 +1361,6 @@
               <a:rPr lang="en-US"/>
               <a:t>Fourth level</a:t>
             </a:r>
-            <a:endParaRPr lang="en-US"/>
           </a:p>
           <a:p>
             <a:pPr lvl="4"/>
@@ -1387,6 +1389,7 @@
           <a:p>
             <a:fld id="{96A54FD2-9807-47AE-B332-82BE46C02019}" type="datetimeFigureOut">
               <a:rPr lang="bg-BG" smtClean="0"/>
+              <a:t>20.7.2023 г.</a:t>
             </a:fld>
             <a:endParaRPr lang="bg-BG" dirty="0"/>
           </a:p>
@@ -1428,6 +1431,7 @@
           <a:p>
             <a:fld id="{FAD90DB1-4724-4F0C-83F0-B00191C9E674}" type="slidenum">
               <a:rPr lang="bg-BG" smtClean="0"/>
+              <a:t>‹#›</a:t>
             </a:fld>
             <a:endParaRPr lang="bg-BG" dirty="0"/>
           </a:p>
@@ -1511,7 +1515,6 @@
               <a:rPr lang="en-US"/>
               <a:t>Click to edit Master text styles</a:t>
             </a:r>
-            <a:endParaRPr lang="en-US"/>
           </a:p>
           <a:p>
             <a:pPr lvl="1"/>
@@ -1519,7 +1522,6 @@
               <a:rPr lang="en-US"/>
               <a:t>Second level</a:t>
             </a:r>
-            <a:endParaRPr lang="en-US"/>
           </a:p>
           <a:p>
             <a:pPr lvl="2"/>
@@ -1527,7 +1529,6 @@
               <a:rPr lang="en-US"/>
               <a:t>Third level</a:t>
             </a:r>
-            <a:endParaRPr lang="en-US"/>
           </a:p>
           <a:p>
             <a:pPr lvl="3"/>
@@ -1535,7 +1536,6 @@
               <a:rPr lang="en-US"/>
               <a:t>Fourth level</a:t>
             </a:r>
-            <a:endParaRPr lang="en-US"/>
           </a:p>
           <a:p>
             <a:pPr lvl="4"/>
@@ -1564,6 +1564,7 @@
           <a:p>
             <a:fld id="{96A54FD2-9807-47AE-B332-82BE46C02019}" type="datetimeFigureOut">
               <a:rPr lang="bg-BG" smtClean="0"/>
+              <a:t>20.7.2023 г.</a:t>
             </a:fld>
             <a:endParaRPr lang="bg-BG" dirty="0"/>
           </a:p>
@@ -1605,6 +1606,7 @@
           <a:p>
             <a:fld id="{FAD90DB1-4724-4F0C-83F0-B00191C9E674}" type="slidenum">
               <a:rPr lang="bg-BG" smtClean="0"/>
+              <a:t>‹#›</a:t>
             </a:fld>
             <a:endParaRPr lang="bg-BG" dirty="0"/>
           </a:p>
@@ -1619,7 +1621,7 @@
 </file>
 
 <file path=ppt/slideLayouts/slideLayout12.xml><?xml version="1.0" encoding="utf-8"?>
-<p:sldLayout xmlns:a="http://schemas.openxmlformats.org/drawingml/2006/main" xmlns:r="http://schemas.openxmlformats.org/officeDocument/2006/relationships" xmlns:p="http://schemas.openxmlformats.org/presentationml/2006/main" type="tx" matchingName="Title and body">
+<p:sldLayout xmlns:a="http://schemas.openxmlformats.org/drawingml/2006/main" xmlns:r="http://schemas.openxmlformats.org/officeDocument/2006/relationships" xmlns:p="http://schemas.openxmlformats.org/presentationml/2006/main" matchingName="Title and body" type="tx">
   <p:cSld name="Title and body">
     <p:spTree>
       <p:nvGrpSpPr>
@@ -1759,7 +1761,9 @@
               <a:defRPr/>
             </a:lvl9pPr>
           </a:lstStyle>
-          <a:p/>
+          <a:p>
+            <a:endParaRPr/>
+          </a:p>
         </p:txBody>
       </p:sp>
       <p:sp>
@@ -1889,7 +1893,9 @@
               <a:defRPr/>
             </a:lvl9pPr>
           </a:lstStyle>
-          <a:p/>
+          <a:p>
+            <a:endParaRPr/>
+          </a:p>
         </p:txBody>
       </p:sp>
       <p:grpSp>
@@ -2935,7 +2941,9 @@
               <a:defRPr sz="4800"/>
             </a:lvl9pPr>
           </a:lstStyle>
-          <a:p/>
+          <a:p>
+            <a:endParaRPr/>
+          </a:p>
         </p:txBody>
       </p:sp>
       <p:sp>
@@ -3069,7 +3077,9 @@
               <a:defRPr/>
             </a:lvl9pPr>
           </a:lstStyle>
-          <a:p/>
+          <a:p>
+            <a:endParaRPr/>
+          </a:p>
         </p:txBody>
       </p:sp>
       <p:sp>
@@ -4201,7 +4211,9 @@
               </a:defRPr>
             </a:lvl9pPr>
           </a:lstStyle>
-          <a:p/>
+          <a:p>
+            <a:endParaRPr/>
+          </a:p>
         </p:txBody>
       </p:sp>
       <p:sp>
@@ -4439,7 +4451,9 @@
               </a:defRPr>
             </a:lvl9pPr>
           </a:lstStyle>
-          <a:p/>
+          <a:p>
+            <a:endParaRPr/>
+          </a:p>
         </p:txBody>
       </p:sp>
       <p:sp>
@@ -4569,7 +4583,9 @@
               <a:defRPr/>
             </a:lvl9pPr>
           </a:lstStyle>
-          <a:p/>
+          <a:p>
+            <a:endParaRPr/>
+          </a:p>
         </p:txBody>
       </p:sp>
       <p:sp>
@@ -4807,7 +4823,9 @@
               </a:defRPr>
             </a:lvl9pPr>
           </a:lstStyle>
-          <a:p/>
+          <a:p>
+            <a:endParaRPr/>
+          </a:p>
         </p:txBody>
       </p:sp>
       <p:sp>
@@ -4937,7 +4955,9 @@
               <a:defRPr/>
             </a:lvl9pPr>
           </a:lstStyle>
-          <a:p/>
+          <a:p>
+            <a:endParaRPr/>
+          </a:p>
         </p:txBody>
       </p:sp>
       <p:sp>
@@ -5175,7 +5195,9 @@
               </a:defRPr>
             </a:lvl9pPr>
           </a:lstStyle>
-          <a:p/>
+          <a:p>
+            <a:endParaRPr/>
+          </a:p>
         </p:txBody>
       </p:sp>
       <p:sp>
@@ -5305,7 +5327,9 @@
               <a:defRPr/>
             </a:lvl9pPr>
           </a:lstStyle>
-          <a:p/>
+          <a:p>
+            <a:endParaRPr/>
+          </a:p>
         </p:txBody>
       </p:sp>
       <p:sp>
@@ -5543,7 +5567,9 @@
               </a:defRPr>
             </a:lvl9pPr>
           </a:lstStyle>
-          <a:p/>
+          <a:p>
+            <a:endParaRPr/>
+          </a:p>
         </p:txBody>
       </p:sp>
       <p:sp>
@@ -5673,7 +5699,9 @@
               <a:defRPr/>
             </a:lvl9pPr>
           </a:lstStyle>
-          <a:p/>
+          <a:p>
+            <a:endParaRPr/>
+          </a:p>
         </p:txBody>
       </p:sp>
       <p:sp>
@@ -7305,7 +7333,9 @@
               <a:defRPr sz="4800"/>
             </a:lvl9pPr>
           </a:lstStyle>
-          <a:p/>
+          <a:p>
+            <a:endParaRPr/>
+          </a:p>
         </p:txBody>
       </p:sp>
       <p:sp>
@@ -7439,7 +7469,9 @@
               <a:defRPr/>
             </a:lvl9pPr>
           </a:lstStyle>
-          <a:p/>
+          <a:p>
+            <a:endParaRPr/>
+          </a:p>
         </p:txBody>
       </p:sp>
       <p:sp>
@@ -8619,7 +8651,9 @@
               <a:defRPr sz="6400"/>
             </a:lvl9pPr>
           </a:lstStyle>
-          <a:p/>
+          <a:p>
+            <a:endParaRPr/>
+          </a:p>
         </p:txBody>
       </p:sp>
       <p:sp>
@@ -9778,7 +9812,6 @@
               <a:rPr lang="en-US"/>
               <a:t>Click to edit Master text styles</a:t>
             </a:r>
-            <a:endParaRPr lang="en-US"/>
           </a:p>
           <a:p>
             <a:pPr lvl="1"/>
@@ -9786,7 +9819,6 @@
               <a:rPr lang="en-US"/>
               <a:t>Second level</a:t>
             </a:r>
-            <a:endParaRPr lang="en-US"/>
           </a:p>
           <a:p>
             <a:pPr lvl="2"/>
@@ -9794,7 +9826,6 @@
               <a:rPr lang="en-US"/>
               <a:t>Third level</a:t>
             </a:r>
-            <a:endParaRPr lang="en-US"/>
           </a:p>
           <a:p>
             <a:pPr lvl="3"/>
@@ -9802,7 +9833,6 @@
               <a:rPr lang="en-US"/>
               <a:t>Fourth level</a:t>
             </a:r>
-            <a:endParaRPr lang="en-US"/>
           </a:p>
           <a:p>
             <a:pPr lvl="4"/>
@@ -9831,6 +9861,7 @@
           <a:p>
             <a:fld id="{96A54FD2-9807-47AE-B332-82BE46C02019}" type="datetimeFigureOut">
               <a:rPr lang="bg-BG" smtClean="0"/>
+              <a:t>20.7.2023 г.</a:t>
             </a:fld>
             <a:endParaRPr lang="bg-BG" dirty="0"/>
           </a:p>
@@ -9872,6 +9903,7 @@
           <a:p>
             <a:fld id="{FAD90DB1-4724-4F0C-83F0-B00191C9E674}" type="slidenum">
               <a:rPr lang="bg-BG" smtClean="0"/>
+              <a:t>‹#›</a:t>
             </a:fld>
             <a:endParaRPr lang="bg-BG" dirty="0"/>
           </a:p>
@@ -10050,7 +10082,6 @@
               <a:rPr lang="en-US"/>
               <a:t>Click to edit Master text styles</a:t>
             </a:r>
-            <a:endParaRPr lang="en-US"/>
           </a:p>
         </p:txBody>
       </p:sp>
@@ -10071,6 +10102,7 @@
           <a:p>
             <a:fld id="{96A54FD2-9807-47AE-B332-82BE46C02019}" type="datetimeFigureOut">
               <a:rPr lang="bg-BG" smtClean="0"/>
+              <a:t>20.7.2023 г.</a:t>
             </a:fld>
             <a:endParaRPr lang="bg-BG" dirty="0"/>
           </a:p>
@@ -10112,6 +10144,7 @@
           <a:p>
             <a:fld id="{FAD90DB1-4724-4F0C-83F0-B00191C9E674}" type="slidenum">
               <a:rPr lang="bg-BG" smtClean="0"/>
+              <a:t>‹#›</a:t>
             </a:fld>
             <a:endParaRPr lang="bg-BG" dirty="0"/>
           </a:p>
@@ -10190,7 +10223,6 @@
               <a:rPr lang="en-US"/>
               <a:t>Click to edit Master text styles</a:t>
             </a:r>
-            <a:endParaRPr lang="en-US"/>
           </a:p>
           <a:p>
             <a:pPr lvl="1"/>
@@ -10198,7 +10230,6 @@
               <a:rPr lang="en-US"/>
               <a:t>Second level</a:t>
             </a:r>
-            <a:endParaRPr lang="en-US"/>
           </a:p>
           <a:p>
             <a:pPr lvl="2"/>
@@ -10206,7 +10237,6 @@
               <a:rPr lang="en-US"/>
               <a:t>Third level</a:t>
             </a:r>
-            <a:endParaRPr lang="en-US"/>
           </a:p>
           <a:p>
             <a:pPr lvl="3"/>
@@ -10214,7 +10244,6 @@
               <a:rPr lang="en-US"/>
               <a:t>Fourth level</a:t>
             </a:r>
-            <a:endParaRPr lang="en-US"/>
           </a:p>
           <a:p>
             <a:pPr lvl="4"/>
@@ -10251,7 +10280,6 @@
               <a:rPr lang="en-US"/>
               <a:t>Click to edit Master text styles</a:t>
             </a:r>
-            <a:endParaRPr lang="en-US"/>
           </a:p>
           <a:p>
             <a:pPr lvl="1"/>
@@ -10259,7 +10287,6 @@
               <a:rPr lang="en-US"/>
               <a:t>Second level</a:t>
             </a:r>
-            <a:endParaRPr lang="en-US"/>
           </a:p>
           <a:p>
             <a:pPr lvl="2"/>
@@ -10267,7 +10294,6 @@
               <a:rPr lang="en-US"/>
               <a:t>Third level</a:t>
             </a:r>
-            <a:endParaRPr lang="en-US"/>
           </a:p>
           <a:p>
             <a:pPr lvl="3"/>
@@ -10275,7 +10301,6 @@
               <a:rPr lang="en-US"/>
               <a:t>Fourth level</a:t>
             </a:r>
-            <a:endParaRPr lang="en-US"/>
           </a:p>
           <a:p>
             <a:pPr lvl="4"/>
@@ -10304,6 +10329,7 @@
           <a:p>
             <a:fld id="{96A54FD2-9807-47AE-B332-82BE46C02019}" type="datetimeFigureOut">
               <a:rPr lang="bg-BG" smtClean="0"/>
+              <a:t>20.7.2023 г.</a:t>
             </a:fld>
             <a:endParaRPr lang="bg-BG" dirty="0"/>
           </a:p>
@@ -10345,6 +10371,7 @@
           <a:p>
             <a:fld id="{FAD90DB1-4724-4F0C-83F0-B00191C9E674}" type="slidenum">
               <a:rPr lang="bg-BG" smtClean="0"/>
+              <a:t>‹#›</a:t>
             </a:fld>
             <a:endParaRPr lang="bg-BG" dirty="0"/>
           </a:p>
@@ -10465,7 +10492,6 @@
               <a:rPr lang="en-US"/>
               <a:t>Click to edit Master text styles</a:t>
             </a:r>
-            <a:endParaRPr lang="en-US"/>
           </a:p>
         </p:txBody>
       </p:sp>
@@ -10494,7 +10520,6 @@
               <a:rPr lang="en-US"/>
               <a:t>Click to edit Master text styles</a:t>
             </a:r>
-            <a:endParaRPr lang="en-US"/>
           </a:p>
           <a:p>
             <a:pPr lvl="1"/>
@@ -10502,7 +10527,6 @@
               <a:rPr lang="en-US"/>
               <a:t>Second level</a:t>
             </a:r>
-            <a:endParaRPr lang="en-US"/>
           </a:p>
           <a:p>
             <a:pPr lvl="2"/>
@@ -10510,7 +10534,6 @@
               <a:rPr lang="en-US"/>
               <a:t>Third level</a:t>
             </a:r>
-            <a:endParaRPr lang="en-US"/>
           </a:p>
           <a:p>
             <a:pPr lvl="3"/>
@@ -10518,7 +10541,6 @@
               <a:rPr lang="en-US"/>
               <a:t>Fourth level</a:t>
             </a:r>
-            <a:endParaRPr lang="en-US"/>
           </a:p>
           <a:p>
             <a:pPr lvl="4"/>
@@ -10592,7 +10614,6 @@
               <a:rPr lang="en-US"/>
               <a:t>Click to edit Master text styles</a:t>
             </a:r>
-            <a:endParaRPr lang="en-US"/>
           </a:p>
         </p:txBody>
       </p:sp>
@@ -10621,7 +10642,6 @@
               <a:rPr lang="en-US"/>
               <a:t>Click to edit Master text styles</a:t>
             </a:r>
-            <a:endParaRPr lang="en-US"/>
           </a:p>
           <a:p>
             <a:pPr lvl="1"/>
@@ -10629,7 +10649,6 @@
               <a:rPr lang="en-US"/>
               <a:t>Second level</a:t>
             </a:r>
-            <a:endParaRPr lang="en-US"/>
           </a:p>
           <a:p>
             <a:pPr lvl="2"/>
@@ -10637,7 +10656,6 @@
               <a:rPr lang="en-US"/>
               <a:t>Third level</a:t>
             </a:r>
-            <a:endParaRPr lang="en-US"/>
           </a:p>
           <a:p>
             <a:pPr lvl="3"/>
@@ -10645,7 +10663,6 @@
               <a:rPr lang="en-US"/>
               <a:t>Fourth level</a:t>
             </a:r>
-            <a:endParaRPr lang="en-US"/>
           </a:p>
           <a:p>
             <a:pPr lvl="4"/>
@@ -10674,6 +10691,7 @@
           <a:p>
             <a:fld id="{96A54FD2-9807-47AE-B332-82BE46C02019}" type="datetimeFigureOut">
               <a:rPr lang="bg-BG" smtClean="0"/>
+              <a:t>20.7.2023 г.</a:t>
             </a:fld>
             <a:endParaRPr lang="bg-BG" dirty="0"/>
           </a:p>
@@ -10715,6 +10733,7 @@
           <a:p>
             <a:fld id="{FAD90DB1-4724-4F0C-83F0-B00191C9E674}" type="slidenum">
               <a:rPr lang="bg-BG" smtClean="0"/>
+              <a:t>‹#›</a:t>
             </a:fld>
             <a:endParaRPr lang="bg-BG" dirty="0"/>
           </a:p>
@@ -10785,6 +10804,7 @@
           <a:p>
             <a:fld id="{96A54FD2-9807-47AE-B332-82BE46C02019}" type="datetimeFigureOut">
               <a:rPr lang="bg-BG" smtClean="0"/>
+              <a:t>20.7.2023 г.</a:t>
             </a:fld>
             <a:endParaRPr lang="bg-BG" dirty="0"/>
           </a:p>
@@ -10826,6 +10846,7 @@
           <a:p>
             <a:fld id="{FAD90DB1-4724-4F0C-83F0-B00191C9E674}" type="slidenum">
               <a:rPr lang="bg-BG" smtClean="0"/>
+              <a:t>‹#›</a:t>
             </a:fld>
             <a:endParaRPr lang="bg-BG" dirty="0"/>
           </a:p>
@@ -10873,6 +10894,7 @@
           <a:p>
             <a:fld id="{96A54FD2-9807-47AE-B332-82BE46C02019}" type="datetimeFigureOut">
               <a:rPr lang="bg-BG" smtClean="0"/>
+              <a:t>20.7.2023 г.</a:t>
             </a:fld>
             <a:endParaRPr lang="bg-BG" dirty="0"/>
           </a:p>
@@ -10914,6 +10936,7 @@
           <a:p>
             <a:fld id="{FAD90DB1-4724-4F0C-83F0-B00191C9E674}" type="slidenum">
               <a:rPr lang="bg-BG" smtClean="0"/>
+              <a:t>‹#›</a:t>
             </a:fld>
             <a:endParaRPr lang="bg-BG" dirty="0"/>
           </a:p>
@@ -11029,7 +11052,6 @@
               <a:rPr lang="en-US"/>
               <a:t>Click to edit Master text styles</a:t>
             </a:r>
-            <a:endParaRPr lang="en-US"/>
           </a:p>
           <a:p>
             <a:pPr lvl="1"/>
@@ -11037,7 +11059,6 @@
               <a:rPr lang="en-US"/>
               <a:t>Second level</a:t>
             </a:r>
-            <a:endParaRPr lang="en-US"/>
           </a:p>
           <a:p>
             <a:pPr lvl="2"/>
@@ -11045,7 +11066,6 @@
               <a:rPr lang="en-US"/>
               <a:t>Third level</a:t>
             </a:r>
-            <a:endParaRPr lang="en-US"/>
           </a:p>
           <a:p>
             <a:pPr lvl="3"/>
@@ -11053,7 +11073,6 @@
               <a:rPr lang="en-US"/>
               <a:t>Fourth level</a:t>
             </a:r>
-            <a:endParaRPr lang="en-US"/>
           </a:p>
           <a:p>
             <a:pPr lvl="4"/>
@@ -11127,7 +11146,6 @@
               <a:rPr lang="en-US"/>
               <a:t>Click to edit Master text styles</a:t>
             </a:r>
-            <a:endParaRPr lang="en-US"/>
           </a:p>
         </p:txBody>
       </p:sp>
@@ -11148,6 +11166,7 @@
           <a:p>
             <a:fld id="{96A54FD2-9807-47AE-B332-82BE46C02019}" type="datetimeFigureOut">
               <a:rPr lang="bg-BG" smtClean="0"/>
+              <a:t>20.7.2023 г.</a:t>
             </a:fld>
             <a:endParaRPr lang="bg-BG" dirty="0"/>
           </a:p>
@@ -11189,6 +11208,7 @@
           <a:p>
             <a:fld id="{FAD90DB1-4724-4F0C-83F0-B00191C9E674}" type="slidenum">
               <a:rPr lang="bg-BG" smtClean="0"/>
+              <a:t>‹#›</a:t>
             </a:fld>
             <a:endParaRPr lang="bg-BG" dirty="0"/>
           </a:p>
@@ -11374,7 +11394,6 @@
               <a:rPr lang="en-US"/>
               <a:t>Click to edit Master text styles</a:t>
             </a:r>
-            <a:endParaRPr lang="en-US"/>
           </a:p>
         </p:txBody>
       </p:sp>
@@ -11395,6 +11414,7 @@
           <a:p>
             <a:fld id="{96A54FD2-9807-47AE-B332-82BE46C02019}" type="datetimeFigureOut">
               <a:rPr lang="bg-BG" smtClean="0"/>
+              <a:t>20.7.2023 г.</a:t>
             </a:fld>
             <a:endParaRPr lang="bg-BG" dirty="0"/>
           </a:p>
@@ -11436,6 +11456,7 @@
           <a:p>
             <a:fld id="{FAD90DB1-4724-4F0C-83F0-B00191C9E674}" type="slidenum">
               <a:rPr lang="bg-BG" smtClean="0"/>
+              <a:t>‹#›</a:t>
             </a:fld>
             <a:endParaRPr lang="bg-BG" dirty="0"/>
           </a:p>
@@ -11534,7 +11555,6 @@
               <a:rPr lang="en-US"/>
               <a:t>Click to edit Master text styles</a:t>
             </a:r>
-            <a:endParaRPr lang="en-US"/>
           </a:p>
           <a:p>
             <a:pPr lvl="1"/>
@@ -11542,7 +11562,6 @@
               <a:rPr lang="en-US"/>
               <a:t>Second level</a:t>
             </a:r>
-            <a:endParaRPr lang="en-US"/>
           </a:p>
           <a:p>
             <a:pPr lvl="2"/>
@@ -11550,7 +11569,6 @@
               <a:rPr lang="en-US"/>
               <a:t>Third level</a:t>
             </a:r>
-            <a:endParaRPr lang="en-US"/>
           </a:p>
           <a:p>
             <a:pPr lvl="3"/>
@@ -11558,7 +11576,6 @@
               <a:rPr lang="en-US"/>
               <a:t>Fourth level</a:t>
             </a:r>
-            <a:endParaRPr lang="en-US"/>
           </a:p>
           <a:p>
             <a:pPr lvl="4"/>
@@ -11605,6 +11622,7 @@
           <a:p>
             <a:fld id="{96A54FD2-9807-47AE-B332-82BE46C02019}" type="datetimeFigureOut">
               <a:rPr lang="bg-BG" smtClean="0"/>
+              <a:t>20.7.2023 г.</a:t>
             </a:fld>
             <a:endParaRPr lang="bg-BG" dirty="0"/>
           </a:p>
@@ -11682,6 +11700,7 @@
           <a:p>
             <a:fld id="{FAD90DB1-4724-4F0C-83F0-B00191C9E674}" type="slidenum">
               <a:rPr lang="bg-BG" smtClean="0"/>
+              <a:t>‹#›</a:t>
             </a:fld>
             <a:endParaRPr lang="bg-BG" dirty="0"/>
           </a:p>
@@ -12034,7 +12053,7 @@
           <a:lstStyle/>
           <a:p>
             <a:r>
-              <a:rPr lang="en-GB" sz="10000" b="1" dirty="0" smtClean="0">
+              <a:rPr lang="en-GB" sz="10000" b="1" dirty="0">
                 <a:solidFill>
                   <a:schemeClr val="tx2">
                     <a:lumMod val="75000"/>
@@ -12111,7 +12130,7 @@
               <a:t> на </a:t>
             </a:r>
             <a:r>
-              <a:rPr lang="ru-RU" sz="4000" dirty="0" err="1" smtClean="0">
+              <a:rPr lang="ru-RU" sz="4000" dirty="0" err="1">
                 <a:solidFill>
                   <a:schemeClr val="tx2">
                     <a:lumMod val="75000"/>
@@ -12122,7 +12141,7 @@
               <a:t>собствено</a:t>
             </a:r>
             <a:r>
-              <a:rPr lang="ru-RU" sz="4000" dirty="0" smtClean="0">
+              <a:rPr lang="ru-RU" sz="4000" dirty="0">
                 <a:solidFill>
                   <a:schemeClr val="tx2">
                     <a:lumMod val="75000"/>
@@ -12133,7 +12152,7 @@
               <a:t> </a:t>
             </a:r>
             <a:r>
-              <a:rPr lang="en-GB" sz="4000" dirty="0" smtClean="0">
+              <a:rPr lang="en-GB" sz="4000" dirty="0">
                 <a:solidFill>
                   <a:schemeClr val="tx2">
                     <a:lumMod val="75000"/>
@@ -12144,7 +12163,7 @@
               <a:t> CV</a:t>
             </a:r>
             <a:r>
-              <a:rPr lang="ru-RU" sz="4000" dirty="0" smtClean="0">
+              <a:rPr lang="ru-RU" sz="4000" dirty="0">
                 <a:solidFill>
                   <a:schemeClr val="tx2">
                     <a:lumMod val="75000"/>
@@ -12170,6 +12189,101 @@
   <p:clrMapOvr>
     <a:masterClrMapping/>
   </p:clrMapOvr>
+</p:sld>
+</file>
+
+<file path=ppt/slides/slide10.xml><?xml version="1.0" encoding="utf-8"?>
+<p:sld xmlns:a="http://schemas.openxmlformats.org/drawingml/2006/main" xmlns:r="http://schemas.openxmlformats.org/officeDocument/2006/relationships" xmlns:p="http://schemas.openxmlformats.org/presentationml/2006/main">
+  <p:cSld>
+    <p:spTree>
+      <p:nvGrpSpPr>
+        <p:cNvPr id="1" name="Shape 504"/>
+        <p:cNvGrpSpPr/>
+        <p:nvPr/>
+      </p:nvGrpSpPr>
+      <p:grpSpPr>
+        <a:xfrm>
+          <a:off x="0" y="0"/>
+          <a:ext cx="0" cy="0"/>
+          <a:chOff x="0" y="0"/>
+          <a:chExt cx="0" cy="0"/>
+        </a:xfrm>
+      </p:grpSpPr>
+      <p:sp>
+        <p:nvSpPr>
+          <p:cNvPr id="505" name="Google Shape;505;p33"/>
+          <p:cNvSpPr txBox="1">
+            <a:spLocks noGrp="1"/>
+          </p:cNvSpPr>
+          <p:nvPr>
+            <p:ph type="title"/>
+          </p:nvPr>
+        </p:nvSpPr>
+        <p:spPr>
+          <a:xfrm>
+            <a:off x="303276" y="2117590"/>
+            <a:ext cx="11585448" cy="2897140"/>
+          </a:xfrm>
+          <a:prstGeom prst="rect">
+            <a:avLst/>
+          </a:prstGeom>
+        </p:spPr>
+        <p:txBody>
+          <a:bodyPr spcFirstLastPara="1" vert="horz" wrap="square" lIns="121900" tIns="121900" rIns="121900" bIns="121900" rtlCol="0" anchor="ctr" anchorCtr="0">
+            <a:noAutofit/>
+          </a:bodyPr>
+          <a:lstStyle/>
+          <a:p>
+            <a:r>
+              <a:rPr lang="bg-BG" sz="9000" b="1" dirty="0">
+                <a:solidFill>
+                  <a:schemeClr val="tx2">
+                    <a:lumMod val="75000"/>
+                  </a:schemeClr>
+                </a:solidFill>
+                <a:latin typeface="Josefin Sans" pitchFamily="2" charset="0"/>
+              </a:rPr>
+              <a:t>Благодарим за вниманието</a:t>
+            </a:r>
+            <a:r>
+              <a:rPr lang="en-GB" sz="9000" b="1" dirty="0">
+                <a:solidFill>
+                  <a:schemeClr val="tx2">
+                    <a:lumMod val="75000"/>
+                  </a:schemeClr>
+                </a:solidFill>
+                <a:latin typeface="Josefin Sans" pitchFamily="2" charset="0"/>
+              </a:rPr>
+              <a:t>!</a:t>
+            </a:r>
+            <a:endParaRPr sz="9000" b="1" dirty="0">
+              <a:solidFill>
+                <a:schemeClr val="tx2">
+                  <a:lumMod val="75000"/>
+                </a:schemeClr>
+              </a:solidFill>
+              <a:latin typeface="Josefin Sans" pitchFamily="2" charset="0"/>
+            </a:endParaRPr>
+          </a:p>
+        </p:txBody>
+      </p:sp>
+    </p:spTree>
+  </p:cSld>
+  <p:clrMapOvr>
+    <a:masterClrMapping/>
+  </p:clrMapOvr>
+  <mc:AlternateContent xmlns:mc="http://schemas.openxmlformats.org/markup-compatibility/2006" xmlns:p14="http://schemas.microsoft.com/office/powerpoint/2010/main">
+    <mc:Choice Requires="p14">
+      <p:transition spd="slow">
+        <p:wipe/>
+      </p:transition>
+    </mc:Choice>
+    <mc:Fallback xmlns="">
+      <p:transition spd="slow">
+        <p:wipe/>
+      </p:transition>
+    </mc:Fallback>
+  </mc:AlternateContent>
 </p:sld>
 </file>
 
@@ -12217,7 +12331,7 @@
           <a:p>
             <a:pPr algn="ctr"/>
             <a:r>
-              <a:rPr lang="bg-BG" sz="5200" b="1" dirty="0" smtClean="0">
+              <a:rPr lang="bg-BG" sz="5200" b="1" dirty="0">
                 <a:solidFill>
                   <a:schemeClr val="tx2">
                     <a:lumMod val="75000"/>
@@ -12262,7 +12376,7 @@
           <a:p>
             <a:pPr algn="ctr"/>
             <a:r>
-              <a:rPr lang="bg-BG" sz="1400" b="1" dirty="0" smtClean="0">
+              <a:rPr lang="bg-BG" sz="1400" b="1" dirty="0">
                 <a:latin typeface="Josefin Sans" pitchFamily="2" charset="0"/>
               </a:rPr>
               <a:t>Кристиан Сираков</a:t>
@@ -12273,7 +12387,7 @@
               </a:rPr>
             </a:br>
             <a:r>
-              <a:rPr lang="en-GB" sz="1400" b="1" dirty="0" smtClean="0">
+              <a:rPr lang="en-GB" sz="1400" b="1" dirty="0">
                 <a:latin typeface="Josefin Sans" pitchFamily="2" charset="0"/>
               </a:rPr>
               <a:t>Frontend Developer</a:t>
@@ -12308,7 +12422,7 @@
           <a:p>
             <a:pPr algn="ctr"/>
             <a:r>
-              <a:rPr lang="bg-BG" sz="1400" b="1" dirty="0" smtClean="0">
+              <a:rPr lang="bg-BG" sz="1400" b="1" dirty="0">
                 <a:latin typeface="Josefin Sans" pitchFamily="2" charset="0"/>
               </a:rPr>
               <a:t>Георги Жеков</a:t>
@@ -12354,7 +12468,7 @@
           <a:p>
             <a:pPr algn="ctr"/>
             <a:r>
-              <a:rPr lang="bg-BG" sz="1400" b="1" dirty="0" smtClean="0">
+              <a:rPr lang="bg-BG" sz="1400" b="1" dirty="0">
                 <a:latin typeface="Josefin Sans" pitchFamily="2" charset="0"/>
               </a:rPr>
               <a:t>Васил Младенов</a:t>
@@ -12365,7 +12479,7 @@
               </a:rPr>
             </a:br>
             <a:r>
-              <a:rPr lang="en-US" sz="1400" b="1" dirty="0" smtClean="0">
+              <a:rPr lang="en-US" sz="1400" b="1" dirty="0">
                 <a:latin typeface="Josefin Sans" pitchFamily="2" charset="0"/>
               </a:rPr>
               <a:t>Backend Developer</a:t>
@@ -12400,7 +12514,7 @@
           <a:p>
             <a:pPr algn="ctr"/>
             <a:r>
-              <a:rPr lang="bg-BG" sz="1400" b="1" dirty="0" smtClean="0">
+              <a:rPr lang="bg-BG" sz="1400" b="1" dirty="0">
                 <a:latin typeface="Josefin Sans" pitchFamily="2" charset="0"/>
               </a:rPr>
               <a:t>Михаил Неделчев</a:t>
@@ -12411,7 +12525,7 @@
               </a:rPr>
             </a:br>
             <a:r>
-              <a:rPr lang="en-US" sz="1400" b="1" dirty="0" smtClean="0">
+              <a:rPr lang="en-US" sz="1400" b="1" dirty="0">
                 <a:latin typeface="Josefin Sans" pitchFamily="2" charset="0"/>
               </a:rPr>
               <a:t>Backend Developer</a:t>
@@ -12446,13 +12560,13 @@
           <a:p>
             <a:pPr algn="ctr"/>
             <a:r>
-              <a:rPr lang="bg-BG" sz="1400" b="1" dirty="0" err="1" smtClean="0">
+              <a:rPr lang="bg-BG" sz="1400" b="1" dirty="0" err="1">
                 <a:latin typeface="Josefin Sans" pitchFamily="2" charset="0"/>
               </a:rPr>
               <a:t>Емма</a:t>
             </a:r>
             <a:r>
-              <a:rPr lang="bg-BG" sz="1400" b="1" dirty="0" smtClean="0">
+              <a:rPr lang="bg-BG" sz="1400" b="1" dirty="0">
                 <a:latin typeface="Josefin Sans" pitchFamily="2" charset="0"/>
               </a:rPr>
               <a:t> Георгиева</a:t>
@@ -12463,16 +12577,10 @@
               </a:rPr>
             </a:br>
             <a:r>
-              <a:rPr lang="en-US" sz="1400" b="1" dirty="0" smtClean="0">
-                <a:latin typeface="Josefin Sans" pitchFamily="2" charset="0"/>
-              </a:rPr>
-              <a:t>Frontend </a:t>
-            </a:r>
-            <a:r>
               <a:rPr lang="en-US" sz="1400" b="1" dirty="0">
                 <a:latin typeface="Josefin Sans" pitchFamily="2" charset="0"/>
               </a:rPr>
-              <a:t>Developer</a:t>
+              <a:t>Frontend Developer</a:t>
             </a:r>
             <a:endParaRPr lang="de-DE" sz="1400" b="1" dirty="0">
               <a:latin typeface="Josefin Sans" pitchFamily="2" charset="0"/>
@@ -12489,7 +12597,7 @@
           <p:nvPr/>
         </p:nvPicPr>
         <p:blipFill>
-          <a:blip r:embed="rId1">
+          <a:blip r:embed="rId3" cstate="print">
             <a:extLst>
               <a:ext uri="{28A0092B-C50C-407E-A947-70E740481C1C}">
                 <a14:useLocalDpi xmlns:a14="http://schemas.microsoft.com/office/drawing/2010/main" val="0"/>
@@ -12535,7 +12643,7 @@
           <p:nvPr/>
         </p:nvPicPr>
         <p:blipFill>
-          <a:blip r:embed="rId2">
+          <a:blip r:embed="rId4">
             <a:extLst>
               <a:ext uri="{28A0092B-C50C-407E-A947-70E740481C1C}">
                 <a14:useLocalDpi xmlns:a14="http://schemas.microsoft.com/office/drawing/2010/main" val="0"/>
@@ -12581,7 +12689,7 @@
           <p:nvPr/>
         </p:nvPicPr>
         <p:blipFill>
-          <a:blip r:embed="rId3">
+          <a:blip r:embed="rId5" cstate="print">
             <a:extLst>
               <a:ext uri="{28A0092B-C50C-407E-A947-70E740481C1C}">
                 <a14:useLocalDpi xmlns:a14="http://schemas.microsoft.com/office/drawing/2010/main" val="0"/>
@@ -12627,7 +12735,7 @@
           <p:nvPr/>
         </p:nvPicPr>
         <p:blipFill>
-          <a:blip r:embed="rId4">
+          <a:blip r:embed="rId6" cstate="print">
             <a:extLst>
               <a:ext uri="{28A0092B-C50C-407E-A947-70E740481C1C}">
                 <a14:useLocalDpi xmlns:a14="http://schemas.microsoft.com/office/drawing/2010/main" val="0"/>
@@ -12673,7 +12781,7 @@
           <p:nvPr/>
         </p:nvPicPr>
         <p:blipFill>
-          <a:blip r:embed="rId5">
+          <a:blip r:embed="rId7" cstate="print">
             <a:extLst>
               <a:ext uri="{28A0092B-C50C-407E-A947-70E740481C1C}">
                 <a14:useLocalDpi xmlns:a14="http://schemas.microsoft.com/office/drawing/2010/main" val="0"/>
@@ -12715,13 +12823,13 @@
   <p:clrMapOvr>
     <a:masterClrMapping/>
   </p:clrMapOvr>
-  <mc:AlternateContent xmlns:mc="http://schemas.openxmlformats.org/markup-compatibility/2006">
-    <mc:Choice xmlns:p14="http://schemas.microsoft.com/office/powerpoint/2010/main" Requires="p14">
-      <p:transition spd="slow" p14:dur="1000">
+  <mc:AlternateContent xmlns:mc="http://schemas.openxmlformats.org/markup-compatibility/2006" xmlns:p14="http://schemas.microsoft.com/office/powerpoint/2010/main">
+    <mc:Choice Requires="p14">
+      <p:transition spd="slow">
         <p:wipe/>
       </p:transition>
     </mc:Choice>
-    <mc:Fallback>
+    <mc:Fallback xmlns="">
       <p:transition spd="slow">
         <p:wipe/>
       </p:transition>
@@ -12774,7 +12882,7 @@
           <a:p>
             <a:pPr algn="ctr"/>
             <a:r>
-              <a:rPr lang="bg-BG" b="1" dirty="0" smtClean="0">
+              <a:rPr lang="bg-BG" b="1" dirty="0">
                 <a:solidFill>
                   <a:schemeClr val="tx2">
                     <a:lumMod val="75000"/>
@@ -12822,7 +12930,7 @@
           <a:p>
             <a:pPr marL="0" indent="0"/>
             <a:r>
-              <a:rPr lang="bg-BG" sz="2700" dirty="0" smtClean="0">
+              <a:rPr lang="bg-BG" sz="2700" dirty="0">
                 <a:solidFill>
                   <a:schemeClr val="tx2">
                     <a:lumMod val="75000"/>
@@ -12868,7 +12976,7 @@
           <a:p>
             <a:pPr marL="0" indent="0"/>
             <a:r>
-              <a:rPr lang="bg-BG" sz="2700" dirty="0" smtClean="0">
+              <a:rPr lang="bg-BG" sz="2700" dirty="0">
                 <a:solidFill>
                   <a:schemeClr val="tx2">
                     <a:lumMod val="75000"/>
@@ -12880,7 +12988,7 @@
               <a:t>Идея на проекта</a:t>
             </a:r>
             <a:r>
-              <a:rPr lang="bg-BG" sz="2700" dirty="0" smtClean="0">
+              <a:rPr lang="bg-BG" sz="2700" dirty="0">
                 <a:solidFill>
                   <a:schemeClr val="tx2">
                     <a:lumMod val="75000"/>
@@ -12926,7 +13034,7 @@
           <a:p>
             <a:pPr marL="0" indent="0"/>
             <a:r>
-              <a:rPr lang="bg-BG" sz="2700" dirty="0" smtClean="0">
+              <a:rPr lang="bg-BG" sz="2700" dirty="0">
                 <a:solidFill>
                   <a:schemeClr val="tx2">
                     <a:lumMod val="75000"/>
@@ -12972,7 +13080,7 @@
           <a:p>
             <a:pPr marL="0" indent="0"/>
             <a:r>
-              <a:rPr lang="bg-BG" sz="2700" dirty="0" smtClean="0">
+              <a:rPr lang="bg-BG" sz="2700" dirty="0">
                 <a:solidFill>
                   <a:schemeClr val="tx2">
                     <a:lumMod val="75000"/>
@@ -13180,7 +13288,7 @@
           <p:nvPr/>
         </p:nvPicPr>
         <p:blipFill>
-          <a:blip r:embed="rId1">
+          <a:blip r:embed="rId3">
             <a:extLst>
               <a:ext uri="{28A0092B-C50C-407E-A947-70E740481C1C}">
                 <a14:useLocalDpi xmlns:a14="http://schemas.microsoft.com/office/drawing/2010/main" val="0"/>
@@ -13217,13 +13325,13 @@
   <p:clrMapOvr>
     <a:masterClrMapping/>
   </p:clrMapOvr>
-  <mc:AlternateContent xmlns:mc="http://schemas.openxmlformats.org/markup-compatibility/2006">
-    <mc:Choice xmlns:p14="http://schemas.microsoft.com/office/powerpoint/2010/main" Requires="p14">
-      <p:transition spd="slow" p14:dur="1000">
+  <mc:AlternateContent xmlns:mc="http://schemas.openxmlformats.org/markup-compatibility/2006" xmlns:p14="http://schemas.microsoft.com/office/powerpoint/2010/main">
+    <mc:Choice Requires="p14">
+      <p:transition spd="slow">
         <p:wipe/>
       </p:transition>
     </mc:Choice>
-    <mc:Fallback>
+    <mc:Fallback xmlns="">
       <p:transition spd="slow">
         <p:wipe/>
       </p:transition>
@@ -13275,7 +13383,7 @@
           <a:lstStyle/>
           <a:p>
             <a:r>
-              <a:rPr lang="bg-BG" sz="6000" b="1" dirty="0" smtClean="0">
+              <a:rPr lang="bg-BG" sz="6000" b="1" dirty="0">
                 <a:solidFill>
                   <a:schemeClr val="tx2">
                     <a:lumMod val="75000"/>
@@ -13305,7 +13413,7 @@
           <p:nvPr/>
         </p:nvPicPr>
         <p:blipFill>
-          <a:blip r:embed="rId1">
+          <a:blip r:embed="rId3">
             <a:extLst>
               <a:ext uri="{28A0092B-C50C-407E-A947-70E740481C1C}">
                 <a14:useLocalDpi xmlns:a14="http://schemas.microsoft.com/office/drawing/2010/main" val="0"/>
@@ -13348,7 +13456,7 @@
         <p159:morph option="byObject"/>
       </p:transition>
     </mc:Choice>
-    <mc:Fallback>
+    <mc:Fallback xmlns="">
       <p:transition spd="slow">
         <p:fade/>
       </p:transition>
@@ -13396,8 +13504,8 @@
           <a:p>
             <a:pPr algn="ctr"/>
             <a:r>
-              <a:rPr lang="en-GB" sz="6600" b="1" smtClean="0"/>
-              <a:t>Ideas?</a:t>
+              <a:rPr lang="en-GB" sz="6600" b="1" dirty="0"/>
+              <a:t>Ideas</a:t>
             </a:r>
             <a:endParaRPr lang="bg-BG" sz="6600" b="1" dirty="0"/>
           </a:p>
@@ -13418,7 +13526,11 @@
           <a:bodyPr/>
           <a:lstStyle/>
           <a:p>
-            <a:endParaRPr lang="bg-BG"/>
+            <a:r>
+              <a:rPr lang="en-US" dirty="0"/>
+              <a:t>CVs for days :D</a:t>
+            </a:r>
+            <a:endParaRPr lang="bg-BG" dirty="0"/>
           </a:p>
         </p:txBody>
       </p:sp>
@@ -13433,7 +13545,7 @@
         <p159:morph option="byObject"/>
       </p:transition>
     </mc:Choice>
-    <mc:Fallback>
+    <mc:Fallback xmlns="">
       <p:transition spd="slow">
         <p:fade/>
       </p:transition>
@@ -13471,7 +13583,7 @@
         </p:nvSpPr>
         <p:spPr>
           <a:xfrm>
-            <a:off x="3108615" y="874470"/>
+            <a:off x="2925931" y="351956"/>
             <a:ext cx="6480000" cy="1096400"/>
           </a:xfrm>
         </p:spPr>
@@ -13481,32 +13593,43 @@
           <a:p>
             <a:pPr algn="ctr"/>
             <a:r>
-              <a:rPr lang="bg-BG" sz="6000" b="1" dirty="0" smtClean="0"/>
-              <a:t>Снимки на части от проекта</a:t>
+              <a:rPr lang="en-US" sz="6000" b="1" dirty="0"/>
+              <a:t>Frontend </a:t>
             </a:r>
             <a:endParaRPr lang="bg-BG" sz="6000" b="1" dirty="0"/>
           </a:p>
         </p:txBody>
       </p:sp>
-      <p:sp>
-        <p:nvSpPr>
-          <p:cNvPr id="3" name="Подзаглавие 2"/>
-          <p:cNvSpPr>
-            <a:spLocks noGrp="1"/>
-          </p:cNvSpPr>
-          <p:nvPr>
-            <p:ph type="subTitle" idx="1"/>
-          </p:nvPr>
-        </p:nvSpPr>
-        <p:spPr/>
-        <p:txBody>
-          <a:bodyPr/>
-          <a:lstStyle/>
-          <a:p>
-            <a:endParaRPr lang="bg-BG" dirty="0"/>
-          </a:p>
-        </p:txBody>
-      </p:sp>
+      <p:pic>
+        <p:nvPicPr>
+          <p:cNvPr id="7" name="Picture 6">
+            <a:extLst>
+              <a:ext uri="{FF2B5EF4-FFF2-40B4-BE49-F238E27FC236}">
+                <a16:creationId xmlns:a16="http://schemas.microsoft.com/office/drawing/2014/main" id="{2505F914-C2F7-28A7-C72E-D39F138161F1}"/>
+              </a:ext>
+            </a:extLst>
+          </p:cNvPr>
+          <p:cNvPicPr>
+            <a:picLocks noChangeAspect="1"/>
+          </p:cNvPicPr>
+          <p:nvPr/>
+        </p:nvPicPr>
+        <p:blipFill>
+          <a:blip r:embed="rId2"/>
+          <a:stretch>
+            <a:fillRect/>
+          </a:stretch>
+        </p:blipFill>
+        <p:spPr>
+          <a:xfrm>
+            <a:off x="2217378" y="1821765"/>
+            <a:ext cx="7757244" cy="4361321"/>
+          </a:xfrm>
+          <a:prstGeom prst="rect">
+            <a:avLst/>
+          </a:prstGeom>
+        </p:spPr>
+      </p:pic>
     </p:spTree>
   </p:cSld>
   <p:clrMapOvr>
@@ -13534,6 +13657,69 @@
       </p:grpSpPr>
       <p:sp>
         <p:nvSpPr>
+          <p:cNvPr id="2" name="Title 1">
+            <a:extLst>
+              <a:ext uri="{FF2B5EF4-FFF2-40B4-BE49-F238E27FC236}">
+                <a16:creationId xmlns:a16="http://schemas.microsoft.com/office/drawing/2014/main" id="{60E95B16-5F5B-D048-03D6-13161B502663}"/>
+              </a:ext>
+            </a:extLst>
+          </p:cNvPr>
+          <p:cNvSpPr>
+            <a:spLocks noGrp="1"/>
+          </p:cNvSpPr>
+          <p:nvPr>
+            <p:ph type="title"/>
+          </p:nvPr>
+        </p:nvSpPr>
+        <p:spPr>
+          <a:xfrm>
+            <a:off x="2856000" y="691590"/>
+            <a:ext cx="6480000" cy="1096400"/>
+          </a:xfrm>
+        </p:spPr>
+        <p:txBody>
+          <a:bodyPr/>
+          <a:lstStyle/>
+          <a:p>
+            <a:r>
+              <a:rPr lang="en-US" dirty="0"/>
+              <a:t>Backend </a:t>
+            </a:r>
+          </a:p>
+        </p:txBody>
+      </p:sp>
+    </p:spTree>
+    <p:extLst>
+      <p:ext uri="{BB962C8B-B14F-4D97-AF65-F5344CB8AC3E}">
+        <p14:creationId xmlns:p14="http://schemas.microsoft.com/office/powerpoint/2010/main" val="3294062413"/>
+      </p:ext>
+    </p:extLst>
+  </p:cSld>
+  <p:clrMapOvr>
+    <a:masterClrMapping/>
+  </p:clrMapOvr>
+</p:sld>
+</file>
+
+<file path=ppt/slides/slide8.xml><?xml version="1.0" encoding="utf-8"?>
+<p:sld xmlns:a="http://schemas.openxmlformats.org/drawingml/2006/main" xmlns:r="http://schemas.openxmlformats.org/officeDocument/2006/relationships" xmlns:p="http://schemas.openxmlformats.org/presentationml/2006/main">
+  <p:cSld>
+    <p:spTree>
+      <p:nvGrpSpPr>
+        <p:cNvPr id="1" name=""/>
+        <p:cNvGrpSpPr/>
+        <p:nvPr/>
+      </p:nvGrpSpPr>
+      <p:grpSpPr>
+        <a:xfrm>
+          <a:off x="0" y="0"/>
+          <a:ext cx="0" cy="0"/>
+          <a:chOff x="0" y="0"/>
+          <a:chExt cx="0" cy="0"/>
+        </a:xfrm>
+      </p:grpSpPr>
+      <p:sp>
+        <p:nvSpPr>
           <p:cNvPr id="2" name="Заглавие 1"/>
           <p:cNvSpPr>
             <a:spLocks noGrp="1"/>
@@ -13553,7 +13739,7 @@
           <a:lstStyle/>
           <a:p>
             <a:r>
-              <a:rPr lang="en-GB" sz="7200" b="1" dirty="0" smtClean="0"/>
+              <a:rPr lang="en-GB" sz="7200" b="1" dirty="0"/>
               <a:t>Ideas?</a:t>
             </a:r>
             <a:endParaRPr lang="bg-BG" sz="7200" b="1" dirty="0"/>
@@ -13588,7 +13774,7 @@
           <p:nvPr/>
         </p:nvPicPr>
         <p:blipFill>
-          <a:blip r:embed="rId1" cstate="hqprint">
+          <a:blip r:embed="rId2" cstate="print">
             <a:extLst>
               <a:ext uri="{28A0092B-C50C-407E-A947-70E740481C1C}">
                 <a14:useLocalDpi xmlns:a14="http://schemas.microsoft.com/office/drawing/2010/main" val="0"/>
@@ -13616,7 +13802,7 @@
           <p:nvPr/>
         </p:nvPicPr>
         <p:blipFill>
-          <a:blip r:embed="rId2"/>
+          <a:blip r:embed="rId3"/>
           <a:stretch>
             <a:fillRect/>
           </a:stretch>
@@ -13644,7 +13830,7 @@
           <p:nvPr/>
         </p:nvPicPr>
         <p:blipFill>
-          <a:blip r:embed="rId3" cstate="hqprint">
+          <a:blip r:embed="rId4" cstate="print">
             <a:extLst>
               <a:ext uri="{28A0092B-C50C-407E-A947-70E740481C1C}">
                 <a14:useLocalDpi xmlns:a14="http://schemas.microsoft.com/office/drawing/2010/main" val="0"/>
@@ -13685,7 +13871,7 @@
           <p:nvPr/>
         </p:nvPicPr>
         <p:blipFill>
-          <a:blip r:embed="rId4" cstate="hqprint">
+          <a:blip r:embed="rId5" cstate="print">
             <a:extLst>
               <a:ext uri="{28A0092B-C50C-407E-A947-70E740481C1C}">
                 <a14:useLocalDpi xmlns:a14="http://schemas.microsoft.com/office/drawing/2010/main" val="0"/>
@@ -13715,7 +13901,7 @@
           <p:nvPr/>
         </p:nvPicPr>
         <p:blipFill>
-          <a:blip r:embed="rId5" cstate="hqprint">
+          <a:blip r:embed="rId6" cstate="print">
             <a:extLst>
               <a:ext uri="{28A0092B-C50C-407E-A947-70E740481C1C}">
                 <a14:useLocalDpi xmlns:a14="http://schemas.microsoft.com/office/drawing/2010/main" val="0"/>
@@ -13745,7 +13931,7 @@
           <p:nvPr/>
         </p:nvPicPr>
         <p:blipFill>
-          <a:blip r:embed="rId6" cstate="hqprint">
+          <a:blip r:embed="rId7" cstate="print">
             <a:extLst>
               <a:ext uri="{28A0092B-C50C-407E-A947-70E740481C1C}">
                 <a14:useLocalDpi xmlns:a14="http://schemas.microsoft.com/office/drawing/2010/main" val="0"/>
@@ -13775,7 +13961,7 @@
           <p:nvPr/>
         </p:nvPicPr>
         <p:blipFill>
-          <a:blip r:embed="rId7">
+          <a:blip r:embed="rId8" cstate="print">
             <a:extLst>
               <a:ext uri="{28A0092B-C50C-407E-A947-70E740481C1C}">
                 <a14:useLocalDpi xmlns:a14="http://schemas.microsoft.com/office/drawing/2010/main" val="0"/>
@@ -13805,7 +13991,7 @@
           <p:nvPr/>
         </p:nvPicPr>
         <p:blipFill>
-          <a:blip r:embed="rId8" cstate="hqprint">
+          <a:blip r:embed="rId9" cstate="print">
             <a:extLst>
               <a:ext uri="{28A0092B-C50C-407E-A947-70E740481C1C}">
                 <a14:useLocalDpi xmlns:a14="http://schemas.microsoft.com/office/drawing/2010/main" val="0"/>
@@ -13834,7 +14020,7 @@
 </p:sld>
 </file>
 
-<file path=ppt/slides/slide8.xml><?xml version="1.0" encoding="utf-8"?>
+<file path=ppt/slides/slide9.xml><?xml version="1.0" encoding="utf-8"?>
 <p:sld xmlns:a="http://schemas.openxmlformats.org/drawingml/2006/main" xmlns:r="http://schemas.openxmlformats.org/officeDocument/2006/relationships" xmlns:p="http://schemas.openxmlformats.org/presentationml/2006/main">
   <p:cSld>
     <p:spTree>
@@ -14027,7 +14213,7 @@
           <p:nvPr/>
         </p:nvPicPr>
         <p:blipFill>
-          <a:blip r:embed="rId1"/>
+          <a:blip r:embed="rId3"/>
           <a:stretch>
             <a:fillRect/>
           </a:stretch>
@@ -14055,7 +14241,7 @@
           <p:nvPr/>
         </p:nvPicPr>
         <p:blipFill>
-          <a:blip r:embed="rId2" cstate="hqprint">
+          <a:blip r:embed="rId4" cstate="print">
             <a:extLst>
               <a:ext uri="{28A0092B-C50C-407E-A947-70E740481C1C}">
                 <a14:useLocalDpi xmlns:a14="http://schemas.microsoft.com/office/drawing/2010/main" val="0"/>
@@ -14096,7 +14282,7 @@
           <p:nvPr/>
         </p:nvPicPr>
         <p:blipFill>
-          <a:blip r:embed="rId3" cstate="hqprint">
+          <a:blip r:embed="rId5" cstate="print">
             <a:extLst>
               <a:ext uri="{28A0092B-C50C-407E-A947-70E740481C1C}">
                 <a14:useLocalDpi xmlns:a14="http://schemas.microsoft.com/office/drawing/2010/main" val="0"/>
@@ -14126,7 +14312,7 @@
           <p:nvPr/>
         </p:nvPicPr>
         <p:blipFill>
-          <a:blip r:embed="rId4" cstate="hqprint">
+          <a:blip r:embed="rId6" cstate="print">
             <a:extLst>
               <a:ext uri="{28A0092B-C50C-407E-A947-70E740481C1C}">
                 <a14:useLocalDpi xmlns:a14="http://schemas.microsoft.com/office/drawing/2010/main" val="0"/>
@@ -14156,7 +14342,7 @@
           <p:nvPr/>
         </p:nvPicPr>
         <p:blipFill>
-          <a:blip r:embed="rId5" cstate="hqprint">
+          <a:blip r:embed="rId7" cstate="print">
             <a:extLst>
               <a:ext uri="{28A0092B-C50C-407E-A947-70E740481C1C}">
                 <a14:useLocalDpi xmlns:a14="http://schemas.microsoft.com/office/drawing/2010/main" val="0"/>
@@ -14186,7 +14372,7 @@
           <p:nvPr/>
         </p:nvPicPr>
         <p:blipFill>
-          <a:blip r:embed="rId6">
+          <a:blip r:embed="rId8" cstate="print">
             <a:extLst>
               <a:ext uri="{28A0092B-C50C-407E-A947-70E740481C1C}">
                 <a14:useLocalDpi xmlns:a14="http://schemas.microsoft.com/office/drawing/2010/main" val="0"/>
@@ -14216,7 +14402,7 @@
           <p:nvPr/>
         </p:nvPicPr>
         <p:blipFill>
-          <a:blip r:embed="rId7" cstate="hqprint">
+          <a:blip r:embed="rId9" cstate="print">
             <a:extLst>
               <a:ext uri="{28A0092B-C50C-407E-A947-70E740481C1C}">
                 <a14:useLocalDpi xmlns:a14="http://schemas.microsoft.com/office/drawing/2010/main" val="0"/>
@@ -14246,7 +14432,7 @@
           <p:nvPr/>
         </p:nvPicPr>
         <p:blipFill>
-          <a:blip r:embed="rId8" cstate="hqprint">
+          <a:blip r:embed="rId10" cstate="print">
             <a:extLst>
               <a:ext uri="{28A0092B-C50C-407E-A947-70E740481C1C}">
                 <a14:useLocalDpi xmlns:a14="http://schemas.microsoft.com/office/drawing/2010/main" val="0"/>
@@ -14278,104 +14464,9 @@
         <p159:morph option="byObject"/>
       </p:transition>
     </mc:Choice>
-    <mc:Fallback>
+    <mc:Fallback xmlns="">
       <p:transition spd="slow">
         <p:fade/>
-      </p:transition>
-    </mc:Fallback>
-  </mc:AlternateContent>
-</p:sld>
-</file>
-
-<file path=ppt/slides/slide9.xml><?xml version="1.0" encoding="utf-8"?>
-<p:sld xmlns:a="http://schemas.openxmlformats.org/drawingml/2006/main" xmlns:r="http://schemas.openxmlformats.org/officeDocument/2006/relationships" xmlns:p="http://schemas.openxmlformats.org/presentationml/2006/main">
-  <p:cSld>
-    <p:spTree>
-      <p:nvGrpSpPr>
-        <p:cNvPr id="1" name="Shape 504"/>
-        <p:cNvGrpSpPr/>
-        <p:nvPr/>
-      </p:nvGrpSpPr>
-      <p:grpSpPr>
-        <a:xfrm>
-          <a:off x="0" y="0"/>
-          <a:ext cx="0" cy="0"/>
-          <a:chOff x="0" y="0"/>
-          <a:chExt cx="0" cy="0"/>
-        </a:xfrm>
-      </p:grpSpPr>
-      <p:sp>
-        <p:nvSpPr>
-          <p:cNvPr id="505" name="Google Shape;505;p33"/>
-          <p:cNvSpPr txBox="1">
-            <a:spLocks noGrp="1"/>
-          </p:cNvSpPr>
-          <p:nvPr>
-            <p:ph type="title"/>
-          </p:nvPr>
-        </p:nvSpPr>
-        <p:spPr>
-          <a:xfrm>
-            <a:off x="303276" y="2117590"/>
-            <a:ext cx="11585448" cy="2897140"/>
-          </a:xfrm>
-          <a:prstGeom prst="rect">
-            <a:avLst/>
-          </a:prstGeom>
-        </p:spPr>
-        <p:txBody>
-          <a:bodyPr spcFirstLastPara="1" vert="horz" wrap="square" lIns="121900" tIns="121900" rIns="121900" bIns="121900" rtlCol="0" anchor="ctr" anchorCtr="0">
-            <a:noAutofit/>
-          </a:bodyPr>
-          <a:lstStyle/>
-          <a:p>
-            <a:r>
-              <a:rPr lang="bg-BG" sz="9000" b="1" dirty="0" smtClean="0">
-                <a:solidFill>
-                  <a:schemeClr val="tx2">
-                    <a:lumMod val="75000"/>
-                  </a:schemeClr>
-                </a:solidFill>
-                <a:latin typeface="Josefin Sans" pitchFamily="2" charset="0"/>
-              </a:rPr>
-              <a:t>Благодарим за вниманието</a:t>
-            </a:r>
-            <a:r>
-              <a:rPr lang="en-GB" sz="9000" b="1" dirty="0" smtClean="0">
-                <a:solidFill>
-                  <a:schemeClr val="tx2">
-                    <a:lumMod val="75000"/>
-                  </a:schemeClr>
-                </a:solidFill>
-                <a:latin typeface="Josefin Sans" pitchFamily="2" charset="0"/>
-              </a:rPr>
-              <a:t>!</a:t>
-            </a:r>
-            <a:endParaRPr sz="9000" b="1" dirty="0">
-              <a:solidFill>
-                <a:schemeClr val="tx2">
-                  <a:lumMod val="75000"/>
-                </a:schemeClr>
-              </a:solidFill>
-              <a:latin typeface="Josefin Sans" pitchFamily="2" charset="0"/>
-            </a:endParaRPr>
-          </a:p>
-        </p:txBody>
-      </p:sp>
-    </p:spTree>
-  </p:cSld>
-  <p:clrMapOvr>
-    <a:masterClrMapping/>
-  </p:clrMapOvr>
-  <mc:AlternateContent xmlns:mc="http://schemas.openxmlformats.org/markup-compatibility/2006">
-    <mc:Choice xmlns:p14="http://schemas.microsoft.com/office/powerpoint/2010/main" Requires="p14">
-      <p:transition spd="slow" p14:dur="1000">
-        <p:wipe/>
-      </p:transition>
-    </mc:Choice>
-    <mc:Fallback>
-      <p:transition spd="slow">
-        <p:wipe/>
       </p:transition>
     </mc:Fallback>
   </mc:AlternateContent>
@@ -14633,6 +14724,8 @@
       </a:bgFillStyleLst>
     </a:fmtScheme>
   </a:themeElements>
+  <a:objectDefaults/>
+  <a:extraClrSchemeLst/>
   <a:extLst>
     <a:ext uri="{05A4C25C-085E-4340-85A3-A5531E510DB2}">
       <thm15:themeFamily xmlns:thm15="http://schemas.microsoft.com/office/thememl/2012/main" name="Office Theme" id="{62F939B6-93AF-4DB8-9C6B-D6C7DFDC589F}" vid="{4A3C46E8-61CC-4603-A589-7422A47A8E4A}"/>
@@ -14892,6 +14985,8 @@
       </a:bgFillStyleLst>
     </a:fmtScheme>
   </a:themeElements>
+  <a:objectDefaults/>
+  <a:extraClrSchemeLst/>
   <a:extLst>
     <a:ext uri="{05A4C25C-085E-4340-85A3-A5531E510DB2}">
       <thm15:themeFamily xmlns:thm15="http://schemas.microsoft.com/office/thememl/2012/main" name="Office Theme" id="{62F939B6-93AF-4DB8-9C6B-D6C7DFDC589F}" vid="{4A3C46E8-61CC-4603-A589-7422A47A8E4A}"/>

--- a/presentationpptx.pptx
+++ b/presentationpptx.pptx
@@ -11,12 +11,11 @@
     <p:sldId id="263" r:id="rId3"/>
     <p:sldId id="257" r:id="rId5"/>
     <p:sldId id="259" r:id="rId6"/>
-    <p:sldId id="258" r:id="rId7"/>
-    <p:sldId id="265" r:id="rId8"/>
-    <p:sldId id="266" r:id="rId9"/>
-    <p:sldId id="267" r:id="rId10"/>
-    <p:sldId id="260" r:id="rId11"/>
-    <p:sldId id="264" r:id="rId12"/>
+    <p:sldId id="274" r:id="rId7"/>
+    <p:sldId id="273" r:id="rId8"/>
+    <p:sldId id="272" r:id="rId9"/>
+    <p:sldId id="260" r:id="rId10"/>
+    <p:sldId id="264" r:id="rId11"/>
   </p:sldIdLst>
   <p:sldSz cx="12192000" cy="6858000"/>
   <p:notesSz cx="6858000" cy="9144000"/>
@@ -782,7 +781,7 @@
   <p:cSld>
     <p:spTree>
       <p:nvGrpSpPr>
-        <p:cNvPr id="1" name="Shape 466"/>
+        <p:cNvPr id="1" name="Shape 490"/>
         <p:cNvGrpSpPr/>
         <p:nvPr/>
       </p:nvGrpSpPr>
@@ -796,7 +795,7 @@
       </p:grpSpPr>
       <p:sp>
         <p:nvSpPr>
-          <p:cNvPr id="467" name="Google Shape;467;gab8d1ca927_3_5:notes"/>
+          <p:cNvPr id="491" name="Google Shape;491;gab8d1ca927_3_206:notes"/>
           <p:cNvSpPr>
             <a:spLocks noGrp="1" noRot="1" noChangeAspect="1"/>
           </p:cNvSpPr>
@@ -837,7 +836,7 @@
       </p:sp>
       <p:sp>
         <p:nvSpPr>
-          <p:cNvPr id="468" name="Google Shape;468;gab8d1ca927_3_5:notes"/>
+          <p:cNvPr id="492" name="Google Shape;492;gab8d1ca927_3_206:notes"/>
           <p:cNvSpPr txBox="1">
             <a:spLocks noGrp="1"/>
           </p:cNvSpPr>
@@ -882,110 +881,6 @@
 </file>
 
 <file path=ppt/notesSlides/notesSlide5.xml><?xml version="1.0" encoding="utf-8"?>
-<p:notes xmlns:a="http://schemas.openxmlformats.org/drawingml/2006/main" xmlns:r="http://schemas.openxmlformats.org/officeDocument/2006/relationships" xmlns:p="http://schemas.openxmlformats.org/presentationml/2006/main" showMasterPhAnim="0" showMasterSp="0">
-  <p:cSld>
-    <p:spTree>
-      <p:nvGrpSpPr>
-        <p:cNvPr id="1" name="Shape 490"/>
-        <p:cNvGrpSpPr/>
-        <p:nvPr/>
-      </p:nvGrpSpPr>
-      <p:grpSpPr>
-        <a:xfrm>
-          <a:off x="0" y="0"/>
-          <a:ext cx="0" cy="0"/>
-          <a:chOff x="0" y="0"/>
-          <a:chExt cx="0" cy="0"/>
-        </a:xfrm>
-      </p:grpSpPr>
-      <p:sp>
-        <p:nvSpPr>
-          <p:cNvPr id="491" name="Google Shape;491;gab8d1ca927_3_206:notes"/>
-          <p:cNvSpPr>
-            <a:spLocks noGrp="1" noRot="1" noChangeAspect="1"/>
-          </p:cNvSpPr>
-          <p:nvPr>
-            <p:ph type="sldImg" idx="2"/>
-          </p:nvPr>
-        </p:nvSpPr>
-        <p:spPr>
-          <a:xfrm>
-            <a:off x="381000" y="685800"/>
-            <a:ext cx="6096000" cy="3429000"/>
-          </a:xfrm>
-          <a:custGeom>
-            <a:avLst/>
-            <a:gdLst/>
-            <a:ahLst/>
-            <a:cxnLst/>
-            <a:rect l="l" t="t" r="r" b="b"/>
-            <a:pathLst>
-              <a:path w="120000" h="120000" extrusionOk="0">
-                <a:moveTo>
-                  <a:pt x="0" y="0"/>
-                </a:moveTo>
-                <a:lnTo>
-                  <a:pt x="120000" y="0"/>
-                </a:lnTo>
-                <a:lnTo>
-                  <a:pt x="120000" y="120000"/>
-                </a:lnTo>
-                <a:lnTo>
-                  <a:pt x="0" y="120000"/>
-                </a:lnTo>
-                <a:close/>
-              </a:path>
-            </a:pathLst>
-          </a:custGeom>
-        </p:spPr>
-      </p:sp>
-      <p:sp>
-        <p:nvSpPr>
-          <p:cNvPr id="492" name="Google Shape;492;gab8d1ca927_3_206:notes"/>
-          <p:cNvSpPr txBox="1">
-            <a:spLocks noGrp="1"/>
-          </p:cNvSpPr>
-          <p:nvPr>
-            <p:ph type="body" idx="1"/>
-          </p:nvPr>
-        </p:nvSpPr>
-        <p:spPr>
-          <a:xfrm>
-            <a:off x="685800" y="4343400"/>
-            <a:ext cx="5486400" cy="4114800"/>
-          </a:xfrm>
-          <a:prstGeom prst="rect">
-            <a:avLst/>
-          </a:prstGeom>
-        </p:spPr>
-        <p:txBody>
-          <a:bodyPr spcFirstLastPara="1" wrap="square" lIns="91425" tIns="91425" rIns="91425" bIns="91425" anchor="t" anchorCtr="0">
-            <a:noAutofit/>
-          </a:bodyPr>
-          <a:lstStyle/>
-          <a:p>
-            <a:pPr marL="0" lvl="0" indent="0" algn="l" rtl="0">
-              <a:spcBef>
-                <a:spcPts val="0"/>
-              </a:spcBef>
-              <a:spcAft>
-                <a:spcPts val="0"/>
-              </a:spcAft>
-              <a:buNone/>
-            </a:pPr>
-            <a:endParaRPr dirty="0"/>
-          </a:p>
-        </p:txBody>
-      </p:sp>
-    </p:spTree>
-  </p:cSld>
-  <p:clrMapOvr>
-    <a:masterClrMapping/>
-  </p:clrMapOvr>
-</p:notes>
-</file>
-
-<file path=ppt/notesSlides/notesSlide6.xml><?xml version="1.0" encoding="utf-8"?>
 <p:notes xmlns:a="http://schemas.openxmlformats.org/drawingml/2006/main" xmlns:r="http://schemas.openxmlformats.org/officeDocument/2006/relationships" xmlns:p="http://schemas.openxmlformats.org/presentationml/2006/main" showMasterPhAnim="0" showMasterSp="0">
   <p:cSld>
     <p:spTree>
@@ -12853,8 +12748,8 @@
         </p:nvSpPr>
         <p:spPr>
           <a:xfrm>
-            <a:off x="1163355" y="2967455"/>
-            <a:ext cx="4920000" cy="476000"/>
+            <a:off x="901700" y="2951480"/>
+            <a:ext cx="4664710" cy="765175"/>
           </a:xfrm>
           <a:prstGeom prst="rect">
             <a:avLst/>
@@ -12874,20 +12769,8 @@
                     <a:lumMod val="75000"/>
                   </a:schemeClr>
                 </a:solidFill>
-                <a:latin typeface="Josefin Sans" pitchFamily="2" charset="0"/>
-                <a:sym typeface="+mn-ea"/>
               </a:rPr>
-              <a:t>Идея на проекта</a:t>
-            </a:r>
-            <a:r>
-              <a:rPr lang="bg-BG" sz="2700" dirty="0" smtClean="0">
-                <a:solidFill>
-                  <a:schemeClr val="tx2">
-                    <a:lumMod val="75000"/>
-                  </a:schemeClr>
-                </a:solidFill>
-              </a:rPr>
-              <a:t> </a:t>
+              <a:t>Разпределяне на задачите </a:t>
             </a:r>
             <a:endParaRPr sz="2700" dirty="0">
               <a:solidFill>
@@ -13003,7 +12886,7 @@
         </p:nvSpPr>
         <p:spPr>
           <a:xfrm>
-            <a:off x="2930555" y="2036972"/>
+            <a:off x="2930555" y="2061102"/>
             <a:ext cx="1385600" cy="890000"/>
           </a:xfrm>
           <a:prstGeom prst="rect">
@@ -13171,47 +13054,6 @@
           </a:p>
         </p:txBody>
       </p:sp>
-      <p:pic>
-        <p:nvPicPr>
-          <p:cNvPr id="1028" name="Picture 4"/>
-          <p:cNvPicPr>
-            <a:picLocks noChangeAspect="1" noChangeArrowheads="1"/>
-          </p:cNvPicPr>
-          <p:nvPr/>
-        </p:nvPicPr>
-        <p:blipFill>
-          <a:blip r:embed="rId1">
-            <a:extLst>
-              <a:ext uri="{28A0092B-C50C-407E-A947-70E740481C1C}">
-                <a14:useLocalDpi xmlns:a14="http://schemas.microsoft.com/office/drawing/2010/main" val="0"/>
-              </a:ext>
-            </a:extLst>
-          </a:blip>
-          <a:srcRect/>
-          <a:stretch>
-            <a:fillRect/>
-          </a:stretch>
-        </p:blipFill>
-        <p:spPr bwMode="auto">
-          <a:xfrm rot="2710405">
-            <a:off x="13174018" y="360939"/>
-            <a:ext cx="6136120" cy="6136120"/>
-          </a:xfrm>
-          <a:prstGeom prst="rect">
-            <a:avLst/>
-          </a:prstGeom>
-          <a:noFill/>
-          <a:extLst>
-            <a:ext uri="{909E8E84-426E-40DD-AFC4-6F175D3DCCD1}">
-              <a14:hiddenFill xmlns:a14="http://schemas.microsoft.com/office/drawing/2010/main">
-                <a:solidFill>
-                  <a:srgbClr val="FFFFFF"/>
-                </a:solidFill>
-              </a14:hiddenFill>
-            </a:ext>
-          </a:extLst>
-        </p:spPr>
-      </p:pic>
     </p:spTree>
   </p:cSld>
   <p:clrMapOvr>
@@ -13237,22 +13079,39 @@
   <p:cSld>
     <p:spTree>
       <p:nvGrpSpPr>
-        <p:cNvPr id="1" name="Shape 469"/>
+        <p:cNvPr id="1" name=""/>
         <p:cNvGrpSpPr/>
         <p:nvPr/>
       </p:nvGrpSpPr>
-      <p:grpSpPr>
-        <a:xfrm>
-          <a:off x="0" y="0"/>
-          <a:ext cx="0" cy="0"/>
-          <a:chOff x="0" y="0"/>
-          <a:chExt cx="0" cy="0"/>
-        </a:xfrm>
-      </p:grpSpPr>
-      <p:sp>
-        <p:nvSpPr>
-          <p:cNvPr id="470" name="Google Shape;470;p30"/>
-          <p:cNvSpPr txBox="1">
+      <p:grpSpPr/>
+      <p:pic>
+        <p:nvPicPr>
+          <p:cNvPr id="5" name="Picture 4"/>
+          <p:cNvPicPr>
+            <a:picLocks noChangeAspect="1"/>
+          </p:cNvPicPr>
+          <p:nvPr/>
+        </p:nvPicPr>
+        <p:blipFill>
+          <a:blip r:embed="rId1"/>
+          <a:stretch>
+            <a:fillRect/>
+          </a:stretch>
+        </p:blipFill>
+        <p:spPr>
+          <a:xfrm>
+            <a:off x="5213350" y="892810"/>
+            <a:ext cx="6372225" cy="5415280"/>
+          </a:xfrm>
+          <a:prstGeom prst="rect">
+            <a:avLst/>
+          </a:prstGeom>
+        </p:spPr>
+      </p:pic>
+      <p:sp>
+        <p:nvSpPr>
+          <p:cNvPr id="4" name="Заглавие 1"/>
+          <p:cNvSpPr>
             <a:spLocks noGrp="1"/>
           </p:cNvSpPr>
           <p:nvPr>
@@ -13261,99 +13120,27 @@
         </p:nvSpPr>
         <p:spPr>
           <a:xfrm>
-            <a:off x="249015" y="2880799"/>
-            <a:ext cx="7505097" cy="1096400"/>
-          </a:xfrm>
-          <a:prstGeom prst="rect">
-            <a:avLst/>
-          </a:prstGeom>
-        </p:spPr>
-        <p:txBody>
-          <a:bodyPr spcFirstLastPara="1" vert="horz" wrap="square" lIns="121900" tIns="121900" rIns="121900" bIns="121900" rtlCol="0" anchor="ctr" anchorCtr="0">
-            <a:noAutofit/>
-          </a:bodyPr>
+            <a:off x="1432989" y="1210567"/>
+            <a:ext cx="6480000" cy="1096400"/>
+          </a:xfrm>
+        </p:spPr>
+        <p:txBody>
+          <a:bodyPr/>
           <a:lstStyle/>
           <a:p>
             <a:r>
-              <a:rPr lang="bg-BG" sz="6000" b="1" dirty="0" smtClean="0">
-                <a:solidFill>
-                  <a:schemeClr val="tx2">
-                    <a:lumMod val="75000"/>
-                  </a:schemeClr>
-                </a:solidFill>
-                <a:latin typeface="Josefin Sans" pitchFamily="2" charset="0"/>
-              </a:rPr>
-              <a:t>Идея на проекта</a:t>
+              <a:rPr lang="en-US" altLang="bg-BG" sz="7200" b="1" dirty="0"/>
+              <a:t>Data</a:t>
             </a:r>
-            <a:endParaRPr sz="6000" b="1" dirty="0">
-              <a:solidFill>
-                <a:schemeClr val="tx2">
-                  <a:lumMod val="75000"/>
-                </a:schemeClr>
-              </a:solidFill>
-              <a:latin typeface="Josefin Sans" pitchFamily="2" charset="0"/>
-            </a:endParaRPr>
-          </a:p>
-        </p:txBody>
-      </p:sp>
-      <p:pic>
-        <p:nvPicPr>
-          <p:cNvPr id="1028" name="Picture 4"/>
-          <p:cNvPicPr>
-            <a:picLocks noChangeAspect="1" noChangeArrowheads="1"/>
-          </p:cNvPicPr>
-          <p:nvPr/>
-        </p:nvPicPr>
-        <p:blipFill>
-          <a:blip r:embed="rId1">
-            <a:extLst>
-              <a:ext uri="{28A0092B-C50C-407E-A947-70E740481C1C}">
-                <a14:useLocalDpi xmlns:a14="http://schemas.microsoft.com/office/drawing/2010/main" val="0"/>
-              </a:ext>
-            </a:extLst>
-          </a:blip>
-          <a:srcRect/>
-          <a:stretch>
-            <a:fillRect/>
-          </a:stretch>
-        </p:blipFill>
-        <p:spPr bwMode="auto">
-          <a:xfrm rot="2710405">
-            <a:off x="8112433" y="360939"/>
-            <a:ext cx="6136120" cy="6136120"/>
-          </a:xfrm>
-          <a:prstGeom prst="rect">
-            <a:avLst/>
-          </a:prstGeom>
-          <a:noFill/>
-          <a:extLst>
-            <a:ext uri="{909E8E84-426E-40DD-AFC4-6F175D3DCCD1}">
-              <a14:hiddenFill xmlns:a14="http://schemas.microsoft.com/office/drawing/2010/main">
-                <a:solidFill>
-                  <a:srgbClr val="FFFFFF"/>
-                </a:solidFill>
-              </a14:hiddenFill>
-            </a:ext>
-          </a:extLst>
-        </p:spPr>
-      </p:pic>
+            <a:endParaRPr lang="en-US" altLang="bg-BG" sz="7200" b="1" dirty="0"/>
+          </a:p>
+        </p:txBody>
+      </p:sp>
     </p:spTree>
   </p:cSld>
   <p:clrMapOvr>
     <a:masterClrMapping/>
   </p:clrMapOvr>
-  <mc:AlternateContent xmlns:mc="http://schemas.openxmlformats.org/markup-compatibility/2006" xmlns:p159="http://schemas.microsoft.com/office/powerpoint/2015/09/main">
-    <mc:Choice Requires="p159">
-      <p:transition xmlns:p14="http://schemas.microsoft.com/office/powerpoint/2010/main" spd="slow" p14:dur="2000">
-        <p159:morph option="byObject"/>
-      </p:transition>
-    </mc:Choice>
-    <mc:Fallback>
-      <p:transition spd="slow">
-        <p:fade/>
-      </p:transition>
-    </mc:Fallback>
-  </mc:AlternateContent>
 </p:sld>
 </file>
 
@@ -13366,17 +13153,10 @@
         <p:cNvGrpSpPr/>
         <p:nvPr/>
       </p:nvGrpSpPr>
-      <p:grpSpPr>
-        <a:xfrm>
-          <a:off x="0" y="0"/>
-          <a:ext cx="0" cy="0"/>
-          <a:chOff x="0" y="0"/>
-          <a:chExt cx="0" cy="0"/>
-        </a:xfrm>
-      </p:grpSpPr>
-      <p:sp>
-        <p:nvSpPr>
-          <p:cNvPr id="2" name="Заглавие 1"/>
+      <p:grpSpPr/>
+      <p:sp>
+        <p:nvSpPr>
+          <p:cNvPr id="4" name="Заглавие 1"/>
           <p:cNvSpPr>
             <a:spLocks noGrp="1"/>
           </p:cNvSpPr>
@@ -13386,7 +13166,7 @@
         </p:nvSpPr>
         <p:spPr>
           <a:xfrm>
-            <a:off x="3082356" y="970265"/>
+            <a:off x="1361869" y="1169927"/>
             <a:ext cx="6480000" cy="1096400"/>
           </a:xfrm>
         </p:spPr>
@@ -13394,51 +13174,43 @@
           <a:bodyPr/>
           <a:lstStyle/>
           <a:p>
-            <a:pPr algn="ctr"/>
             <a:r>
-              <a:rPr lang="en-GB" sz="6600" b="1" smtClean="0"/>
-              <a:t>Ideas?</a:t>
+              <a:rPr lang="en-US" altLang="bg-BG" sz="7200" b="1" dirty="0"/>
+              <a:t>Backend</a:t>
             </a:r>
-            <a:endParaRPr lang="bg-BG" sz="6600" b="1" dirty="0"/>
-          </a:p>
-        </p:txBody>
-      </p:sp>
-      <p:sp>
-        <p:nvSpPr>
-          <p:cNvPr id="3" name="Подзаглавие 2"/>
-          <p:cNvSpPr>
-            <a:spLocks noGrp="1"/>
-          </p:cNvSpPr>
-          <p:nvPr>
-            <p:ph type="subTitle" idx="1"/>
-          </p:nvPr>
-        </p:nvSpPr>
-        <p:spPr/>
-        <p:txBody>
-          <a:bodyPr/>
-          <a:lstStyle/>
-          <a:p>
-            <a:endParaRPr lang="bg-BG"/>
-          </a:p>
-        </p:txBody>
-      </p:sp>
+            <a:endParaRPr lang="en-US" altLang="bg-BG" sz="7200" b="1" dirty="0"/>
+          </a:p>
+        </p:txBody>
+      </p:sp>
+      <p:pic>
+        <p:nvPicPr>
+          <p:cNvPr id="5" name="Picture 4"/>
+          <p:cNvPicPr>
+            <a:picLocks noChangeAspect="1"/>
+          </p:cNvPicPr>
+          <p:nvPr/>
+        </p:nvPicPr>
+        <p:blipFill>
+          <a:blip r:embed="rId1"/>
+          <a:stretch>
+            <a:fillRect/>
+          </a:stretch>
+        </p:blipFill>
+        <p:spPr>
+          <a:xfrm>
+            <a:off x="3520440" y="2125980"/>
+            <a:ext cx="7908925" cy="3663950"/>
+          </a:xfrm>
+          <a:prstGeom prst="rect">
+            <a:avLst/>
+          </a:prstGeom>
+        </p:spPr>
+      </p:pic>
     </p:spTree>
   </p:cSld>
   <p:clrMapOvr>
     <a:masterClrMapping/>
   </p:clrMapOvr>
-  <mc:AlternateContent xmlns:mc="http://schemas.openxmlformats.org/markup-compatibility/2006" xmlns:p159="http://schemas.microsoft.com/office/powerpoint/2015/09/main">
-    <mc:Choice Requires="p159">
-      <p:transition xmlns:p14="http://schemas.microsoft.com/office/powerpoint/2010/main" spd="slow" p14:dur="2000">
-        <p159:morph option="byObject"/>
-      </p:transition>
-    </mc:Choice>
-    <mc:Fallback>
-      <p:transition spd="slow">
-        <p:fade/>
-      </p:transition>
-    </mc:Fallback>
-  </mc:AlternateContent>
 </p:sld>
 </file>
 
@@ -13451,17 +13223,10 @@
         <p:cNvGrpSpPr/>
         <p:nvPr/>
       </p:nvGrpSpPr>
-      <p:grpSpPr>
-        <a:xfrm>
-          <a:off x="0" y="0"/>
-          <a:ext cx="0" cy="0"/>
-          <a:chOff x="0" y="0"/>
-          <a:chExt cx="0" cy="0"/>
-        </a:xfrm>
-      </p:grpSpPr>
-      <p:sp>
-        <p:nvSpPr>
-          <p:cNvPr id="2" name="Заглавие 1"/>
+      <p:grpSpPr/>
+      <p:sp>
+        <p:nvSpPr>
+          <p:cNvPr id="5" name="Заглавие 1"/>
           <p:cNvSpPr>
             <a:spLocks noGrp="1"/>
           </p:cNvSpPr>
@@ -13471,42 +13236,45 @@
         </p:nvSpPr>
         <p:spPr>
           <a:xfrm>
-            <a:off x="3108615" y="874470"/>
-            <a:ext cx="6480000" cy="1096400"/>
+            <a:off x="886460" y="1068070"/>
+            <a:ext cx="10821035" cy="1096645"/>
           </a:xfrm>
         </p:spPr>
         <p:txBody>
           <a:bodyPr/>
-          <a:lstStyle/>
-          <a:p>
-            <a:pPr algn="ctr"/>
+          <a:p>
             <a:r>
-              <a:rPr lang="bg-BG" sz="6000" b="1" dirty="0" smtClean="0"/>
-              <a:t>Снимки на части от проекта</a:t>
+              <a:rPr lang="en-US" altLang="bg-BG" sz="7200" b="1" dirty="0"/>
+              <a:t>Frontend</a:t>
             </a:r>
-            <a:endParaRPr lang="bg-BG" sz="6000" b="1" dirty="0"/>
-          </a:p>
-        </p:txBody>
-      </p:sp>
-      <p:sp>
-        <p:nvSpPr>
-          <p:cNvPr id="3" name="Подзаглавие 2"/>
-          <p:cNvSpPr>
-            <a:spLocks noGrp="1"/>
-          </p:cNvSpPr>
-          <p:nvPr>
-            <p:ph type="subTitle" idx="1"/>
-          </p:nvPr>
-        </p:nvSpPr>
-        <p:spPr/>
-        <p:txBody>
-          <a:bodyPr/>
-          <a:lstStyle/>
-          <a:p>
-            <a:endParaRPr lang="bg-BG" dirty="0"/>
-          </a:p>
-        </p:txBody>
-      </p:sp>
+            <a:endParaRPr lang="en-US" altLang="bg-BG" sz="7200" b="1" dirty="0"/>
+          </a:p>
+        </p:txBody>
+      </p:sp>
+      <p:pic>
+        <p:nvPicPr>
+          <p:cNvPr id="7" name="Picture 6"/>
+          <p:cNvPicPr>
+            <a:picLocks noChangeAspect="1"/>
+          </p:cNvPicPr>
+          <p:nvPr/>
+        </p:nvPicPr>
+        <p:blipFill>
+          <a:blip r:embed="rId1"/>
+          <a:stretch>
+            <a:fillRect/>
+          </a:stretch>
+        </p:blipFill>
+        <p:spPr>
+          <a:xfrm>
+            <a:off x="2589530" y="1973580"/>
+            <a:ext cx="8409305" cy="3852545"/>
+          </a:xfrm>
+          <a:prstGeom prst="rect">
+            <a:avLst/>
+          </a:prstGeom>
+        </p:spPr>
+      </p:pic>
     </p:spTree>
   </p:cSld>
   <p:clrMapOvr>
@@ -13516,325 +13284,6 @@
 </file>
 
 <file path=ppt/slides/slide7.xml><?xml version="1.0" encoding="utf-8"?>
-<p:sld xmlns:a="http://schemas.openxmlformats.org/drawingml/2006/main" xmlns:r="http://schemas.openxmlformats.org/officeDocument/2006/relationships" xmlns:p="http://schemas.openxmlformats.org/presentationml/2006/main">
-  <p:cSld>
-    <p:spTree>
-      <p:nvGrpSpPr>
-        <p:cNvPr id="1" name=""/>
-        <p:cNvGrpSpPr/>
-        <p:nvPr/>
-      </p:nvGrpSpPr>
-      <p:grpSpPr>
-        <a:xfrm>
-          <a:off x="0" y="0"/>
-          <a:ext cx="0" cy="0"/>
-          <a:chOff x="0" y="0"/>
-          <a:chExt cx="0" cy="0"/>
-        </a:xfrm>
-      </p:grpSpPr>
-      <p:sp>
-        <p:nvSpPr>
-          <p:cNvPr id="2" name="Заглавие 1"/>
-          <p:cNvSpPr>
-            <a:spLocks noGrp="1"/>
-          </p:cNvSpPr>
-          <p:nvPr>
-            <p:ph type="title"/>
-          </p:nvPr>
-        </p:nvSpPr>
-        <p:spPr>
-          <a:xfrm>
-            <a:off x="3796459" y="865762"/>
-            <a:ext cx="6480000" cy="1096400"/>
-          </a:xfrm>
-        </p:spPr>
-        <p:txBody>
-          <a:bodyPr/>
-          <a:lstStyle/>
-          <a:p>
-            <a:r>
-              <a:rPr lang="en-GB" sz="7200" b="1" dirty="0" smtClean="0"/>
-              <a:t>Ideas?</a:t>
-            </a:r>
-            <a:endParaRPr lang="bg-BG" sz="7200" b="1" dirty="0"/>
-          </a:p>
-        </p:txBody>
-      </p:sp>
-      <p:sp>
-        <p:nvSpPr>
-          <p:cNvPr id="3" name="Подзаглавие 2"/>
-          <p:cNvSpPr>
-            <a:spLocks noGrp="1"/>
-          </p:cNvSpPr>
-          <p:nvPr>
-            <p:ph type="subTitle" idx="1"/>
-          </p:nvPr>
-        </p:nvSpPr>
-        <p:spPr/>
-        <p:txBody>
-          <a:bodyPr/>
-          <a:lstStyle/>
-          <a:p>
-            <a:endParaRPr lang="bg-BG"/>
-          </a:p>
-        </p:txBody>
-      </p:sp>
-      <p:pic>
-        <p:nvPicPr>
-          <p:cNvPr id="7" name="Картина 6"/>
-          <p:cNvPicPr>
-            <a:picLocks noChangeAspect="1"/>
-          </p:cNvPicPr>
-          <p:nvPr/>
-        </p:nvPicPr>
-        <p:blipFill>
-          <a:blip r:embed="rId1" cstate="hqprint">
-            <a:extLst>
-              <a:ext uri="{28A0092B-C50C-407E-A947-70E740481C1C}">
-                <a14:useLocalDpi xmlns:a14="http://schemas.microsoft.com/office/drawing/2010/main" val="0"/>
-              </a:ext>
-            </a:extLst>
-          </a:blip>
-          <a:stretch>
-            <a:fillRect/>
-          </a:stretch>
-        </p:blipFill>
-        <p:spPr>
-          <a:xfrm>
-            <a:off x="-2695114" y="-1460567"/>
-            <a:ext cx="1252131" cy="1252131"/>
-          </a:xfrm>
-          <a:prstGeom prst="rect">
-            <a:avLst/>
-          </a:prstGeom>
-        </p:spPr>
-      </p:pic>
-      <p:pic>
-        <p:nvPicPr>
-          <p:cNvPr id="497" name="Google Shape;497;p32"/>
-          <p:cNvPicPr preferRelativeResize="0"/>
-          <p:nvPr/>
-        </p:nvPicPr>
-        <p:blipFill>
-          <a:blip r:embed="rId2"/>
-          <a:stretch>
-            <a:fillRect/>
-          </a:stretch>
-        </p:blipFill>
-        <p:spPr>
-          <a:xfrm>
-            <a:off x="5133344" y="-2926258"/>
-            <a:ext cx="1323488" cy="1266247"/>
-          </a:xfrm>
-          <a:prstGeom prst="rect">
-            <a:avLst/>
-          </a:prstGeom>
-          <a:noFill/>
-          <a:ln>
-            <a:noFill/>
-          </a:ln>
-        </p:spPr>
-      </p:pic>
-      <p:pic>
-        <p:nvPicPr>
-          <p:cNvPr id="3080" name="Picture 8"/>
-          <p:cNvPicPr>
-            <a:picLocks noChangeAspect="1" noChangeArrowheads="1"/>
-          </p:cNvPicPr>
-          <p:nvPr/>
-        </p:nvPicPr>
-        <p:blipFill>
-          <a:blip r:embed="rId3" cstate="hqprint">
-            <a:extLst>
-              <a:ext uri="{28A0092B-C50C-407E-A947-70E740481C1C}">
-                <a14:useLocalDpi xmlns:a14="http://schemas.microsoft.com/office/drawing/2010/main" val="0"/>
-              </a:ext>
-            </a:extLst>
-          </a:blip>
-          <a:srcRect/>
-          <a:stretch>
-            <a:fillRect/>
-          </a:stretch>
-        </p:blipFill>
-        <p:spPr bwMode="auto">
-          <a:xfrm>
-            <a:off x="12540789" y="-2770572"/>
-            <a:ext cx="1310017" cy="1310017"/>
-          </a:xfrm>
-          <a:prstGeom prst="rect">
-            <a:avLst/>
-          </a:prstGeom>
-          <a:noFill/>
-          <a:extLst>
-            <a:ext uri="{909E8E84-426E-40DD-AFC4-6F175D3DCCD1}">
-              <a14:hiddenFill xmlns:a14="http://schemas.microsoft.com/office/drawing/2010/main">
-                <a:solidFill>
-                  <a:srgbClr val="FFFFFF"/>
-                </a:solidFill>
-              </a14:hiddenFill>
-            </a:ext>
-          </a:extLst>
-        </p:spPr>
-      </p:pic>
-      <p:pic>
-        <p:nvPicPr>
-          <p:cNvPr id="4" name="Картина 2"/>
-          <p:cNvPicPr>
-            <a:picLocks noChangeAspect="1"/>
-          </p:cNvPicPr>
-          <p:nvPr/>
-        </p:nvPicPr>
-        <p:blipFill>
-          <a:blip r:embed="rId4" cstate="hqprint">
-            <a:extLst>
-              <a:ext uri="{28A0092B-C50C-407E-A947-70E740481C1C}">
-                <a14:useLocalDpi xmlns:a14="http://schemas.microsoft.com/office/drawing/2010/main" val="0"/>
-              </a:ext>
-            </a:extLst>
-          </a:blip>
-          <a:stretch>
-            <a:fillRect/>
-          </a:stretch>
-        </p:blipFill>
-        <p:spPr>
-          <a:xfrm>
-            <a:off x="2574662" y="7845123"/>
-            <a:ext cx="1383828" cy="1389017"/>
-          </a:xfrm>
-          <a:prstGeom prst="rect">
-            <a:avLst/>
-          </a:prstGeom>
-        </p:spPr>
-      </p:pic>
-      <p:pic>
-        <p:nvPicPr>
-          <p:cNvPr id="5" name="Картина 3"/>
-          <p:cNvPicPr>
-            <a:picLocks noChangeAspect="1"/>
-          </p:cNvPicPr>
-          <p:nvPr/>
-        </p:nvPicPr>
-        <p:blipFill>
-          <a:blip r:embed="rId5" cstate="hqprint">
-            <a:extLst>
-              <a:ext uri="{28A0092B-C50C-407E-A947-70E740481C1C}">
-                <a14:useLocalDpi xmlns:a14="http://schemas.microsoft.com/office/drawing/2010/main" val="0"/>
-              </a:ext>
-            </a:extLst>
-          </a:blip>
-          <a:stretch>
-            <a:fillRect/>
-          </a:stretch>
-        </p:blipFill>
-        <p:spPr>
-          <a:xfrm>
-            <a:off x="7678472" y="7845370"/>
-            <a:ext cx="1201501" cy="1201501"/>
-          </a:xfrm>
-          <a:prstGeom prst="rect">
-            <a:avLst/>
-          </a:prstGeom>
-        </p:spPr>
-      </p:pic>
-      <p:pic>
-        <p:nvPicPr>
-          <p:cNvPr id="6" name="Картина 1"/>
-          <p:cNvPicPr>
-            <a:picLocks noChangeAspect="1"/>
-          </p:cNvPicPr>
-          <p:nvPr/>
-        </p:nvPicPr>
-        <p:blipFill>
-          <a:blip r:embed="rId6" cstate="hqprint">
-            <a:extLst>
-              <a:ext uri="{28A0092B-C50C-407E-A947-70E740481C1C}">
-                <a14:useLocalDpi xmlns:a14="http://schemas.microsoft.com/office/drawing/2010/main" val="0"/>
-              </a:ext>
-            </a:extLst>
-          </a:blip>
-          <a:stretch>
-            <a:fillRect/>
-          </a:stretch>
-        </p:blipFill>
-        <p:spPr>
-          <a:xfrm>
-            <a:off x="-3067534" y="7466260"/>
-            <a:ext cx="1390488" cy="1390488"/>
-          </a:xfrm>
-          <a:prstGeom prst="rect">
-            <a:avLst/>
-          </a:prstGeom>
-        </p:spPr>
-      </p:pic>
-      <p:pic>
-        <p:nvPicPr>
-          <p:cNvPr id="8" name="Картина 4"/>
-          <p:cNvPicPr>
-            <a:picLocks noChangeAspect="1"/>
-          </p:cNvPicPr>
-          <p:nvPr/>
-        </p:nvPicPr>
-        <p:blipFill>
-          <a:blip r:embed="rId7">
-            <a:extLst>
-              <a:ext uri="{28A0092B-C50C-407E-A947-70E740481C1C}">
-                <a14:useLocalDpi xmlns:a14="http://schemas.microsoft.com/office/drawing/2010/main" val="0"/>
-              </a:ext>
-            </a:extLst>
-          </a:blip>
-          <a:stretch>
-            <a:fillRect/>
-          </a:stretch>
-        </p:blipFill>
-        <p:spPr>
-          <a:xfrm>
-            <a:off x="12934456" y="7652030"/>
-            <a:ext cx="1395140" cy="1395140"/>
-          </a:xfrm>
-          <a:prstGeom prst="rect">
-            <a:avLst/>
-          </a:prstGeom>
-        </p:spPr>
-      </p:pic>
-      <p:pic>
-        <p:nvPicPr>
-          <p:cNvPr id="9" name="Картина 5"/>
-          <p:cNvPicPr>
-            <a:picLocks noChangeAspect="1"/>
-          </p:cNvPicPr>
-          <p:nvPr/>
-        </p:nvPicPr>
-        <p:blipFill>
-          <a:blip r:embed="rId8" cstate="hqprint">
-            <a:extLst>
-              <a:ext uri="{28A0092B-C50C-407E-A947-70E740481C1C}">
-                <a14:useLocalDpi xmlns:a14="http://schemas.microsoft.com/office/drawing/2010/main" val="0"/>
-              </a:ext>
-            </a:extLst>
-          </a:blip>
-          <a:stretch>
-            <a:fillRect/>
-          </a:stretch>
-        </p:blipFill>
-        <p:spPr>
-          <a:xfrm>
-            <a:off x="5294299" y="10046119"/>
-            <a:ext cx="1603758" cy="1603758"/>
-          </a:xfrm>
-          <a:prstGeom prst="rect">
-            <a:avLst/>
-          </a:prstGeom>
-        </p:spPr>
-      </p:pic>
-    </p:spTree>
-  </p:cSld>
-  <p:clrMapOvr>
-    <a:masterClrMapping/>
-  </p:clrMapOvr>
-</p:sld>
-</file>
-
-<file path=ppt/slides/slide8.xml><?xml version="1.0" encoding="utf-8"?>
 <p:sld xmlns:a="http://schemas.openxmlformats.org/drawingml/2006/main" xmlns:r="http://schemas.openxmlformats.org/officeDocument/2006/relationships" xmlns:p="http://schemas.openxmlformats.org/presentationml/2006/main">
   <p:cSld>
     <p:spTree>
@@ -14267,6 +13716,42 @@
           </a:prstGeom>
         </p:spPr>
       </p:pic>
+      <p:sp>
+        <p:nvSpPr>
+          <p:cNvPr id="8" name="Text Box 7"/>
+          <p:cNvSpPr txBox="1"/>
+          <p:nvPr/>
+        </p:nvSpPr>
+        <p:spPr>
+          <a:xfrm>
+            <a:off x="6564630" y="3126105"/>
+            <a:ext cx="1304925" cy="583565"/>
+          </a:xfrm>
+          <a:prstGeom prst="rect">
+            <a:avLst/>
+          </a:prstGeom>
+          <a:noFill/>
+        </p:spPr>
+        <p:txBody>
+          <a:bodyPr wrap="square" rtlCol="0">
+            <a:spAutoFit/>
+          </a:bodyPr>
+          <a:p>
+            <a:pPr algn="ctr"/>
+            <a:r>
+              <a:rPr lang="en-US" altLang="en-US" sz="3200" b="1">
+                <a:latin typeface="Arial Black" panose="020B0A04020102020204" charset="0"/>
+                <a:cs typeface="Arial Black" panose="020B0A04020102020204" charset="0"/>
+              </a:rPr>
+              <a:t>CSS</a:t>
+            </a:r>
+            <a:endParaRPr lang="en-US" altLang="en-US" sz="3200" b="1">
+              <a:latin typeface="Arial Black" panose="020B0A04020102020204" charset="0"/>
+              <a:cs typeface="Arial Black" panose="020B0A04020102020204" charset="0"/>
+            </a:endParaRPr>
+          </a:p>
+        </p:txBody>
+      </p:sp>
     </p:spTree>
   </p:cSld>
   <p:clrMapOvr>
@@ -14287,7 +13772,7 @@
 </p:sld>
 </file>
 
-<file path=ppt/slides/slide9.xml><?xml version="1.0" encoding="utf-8"?>
+<file path=ppt/slides/slide8.xml><?xml version="1.0" encoding="utf-8"?>
 <p:sld xmlns:a="http://schemas.openxmlformats.org/drawingml/2006/main" xmlns:r="http://schemas.openxmlformats.org/officeDocument/2006/relationships" xmlns:p="http://schemas.openxmlformats.org/presentationml/2006/main">
   <p:cSld>
     <p:spTree>
